--- a/presentations/street_addresses.pptx
+++ b/presentations/street_addresses.pptx
@@ -517,6 +517,31 @@
           <a:bodyPr/>
           <a:lstStyle/>
           <a:p>
+            <a:r>
+              <a:rPr lang="en-US" dirty="0" smtClean="0"/>
+              <a:t>Hi,</a:t>
+            </a:r>
+            <a:r>
+              <a:rPr lang="en-US" baseline="0" dirty="0" smtClean="0"/>
+              <a:t> my name is Brian Long and the title of my talk today is “Working With Street Addresses” You can also find me at any of these popular hangouts</a:t>
+            </a:r>
+            <a:r>
+              <a:rPr lang="en-US" baseline="0" dirty="0" smtClean="0"/>
+              <a:t>.</a:t>
+            </a:r>
+          </a:p>
+          <a:p>
+            <a:endParaRPr lang="en-US" baseline="0" dirty="0" smtClean="0"/>
+          </a:p>
+          <a:p>
+            <a:r>
+              <a:rPr lang="en-US" baseline="0" dirty="0" smtClean="0"/>
+              <a:t>My company crawls the web reading real estate advertisements. We process millions of street </a:t>
+            </a:r>
+            <a:r>
+              <a:rPr lang="en-US" baseline="0" smtClean="0"/>
+              <a:t>addresses each year.</a:t>
+            </a:r>
             <a:endParaRPr lang="en-US" dirty="0"/>
           </a:p>
         </p:txBody>
@@ -607,8 +632,21 @@
             </a:r>
             <a:r>
               <a:rPr lang="en-US" baseline="0" dirty="0" smtClean="0"/>
-              <a:t> the check digit, here is the full delivery point bar code for Wikipedia. 33701 is the ZIP code, 4313 is the +4 code, and 99 is the delivery point code (indicating a high rise building). </a:t>
-            </a:r>
+              <a:t> the check digit, here is the full delivery point bar code for Wikipedia. 33701 is the ZIP code, 4313 is the +4 code, and </a:t>
+            </a:r>
+            <a:r>
+              <a:rPr lang="en-US" baseline="0" dirty="0" smtClean="0"/>
+              <a:t>00 is </a:t>
+            </a:r>
+            <a:r>
+              <a:rPr lang="en-US" baseline="0" dirty="0" smtClean="0"/>
+              <a:t>the delivery point </a:t>
+            </a:r>
+            <a:r>
+              <a:rPr lang="en-US" baseline="0" dirty="0" smtClean="0"/>
+              <a:t>code. </a:t>
+            </a:r>
+            <a:endParaRPr lang="en-US" baseline="0" dirty="0" smtClean="0"/>
           </a:p>
           <a:p>
             <a:endParaRPr lang="en-US" baseline="0" dirty="0" smtClean="0"/>
@@ -641,7 +679,7 @@
             </a:r>
             <a:r>
               <a:rPr lang="en-US" baseline="0" dirty="0" smtClean="0"/>
-              <a:t>, this is how we can deliver the mail so reliably. Every day, his mail is sorted into a walk sequence based on these codes. All he needs to do is follow the addresses in the order they are sorted in his stack of mail.</a:t>
+              <a:t>, this is how he can deliver the mail so reliably. Every day, his mail is sorted into a walk sequence based on these codes. All he needs to do is follow the addresses in the order they are sorted in his stack of mail.</a:t>
             </a:r>
           </a:p>
           <a:p>
@@ -760,7 +798,15 @@
           <a:p>
             <a:r>
               <a:rPr lang="en-US" baseline="0" dirty="0" smtClean="0"/>
-              <a:t>In my systems, I create an indexed database column for this key and use it for all of our sorting, grouping, and matching operations. It is an extremely fast and accurate way to process addresses.</a:t>
+              <a:t>In my systems, I create an indexed database column for this key and use it for all of our sorting, grouping, and matching operations. It is an extremely fast and accurate way to process </a:t>
+            </a:r>
+            <a:r>
+              <a:rPr lang="en-US" baseline="0" dirty="0" smtClean="0"/>
+              <a:t>street addresses</a:t>
+            </a:r>
+            <a:r>
+              <a:rPr lang="en-US" baseline="0" dirty="0" smtClean="0"/>
+              <a:t>.</a:t>
             </a:r>
           </a:p>
           <a:p>
@@ -769,7 +815,15 @@
           <a:p>
             <a:r>
               <a:rPr lang="en-US" baseline="0" dirty="0" smtClean="0"/>
-              <a:t>The last thing to talk about is how we can get the information required to create the key.</a:t>
+              <a:t>The last thing to talk about is how we </a:t>
+            </a:r>
+            <a:r>
+              <a:rPr lang="en-US" baseline="0" dirty="0" smtClean="0"/>
+              <a:t>get </a:t>
+            </a:r>
+            <a:r>
+              <a:rPr lang="en-US" baseline="0" dirty="0" smtClean="0"/>
+              <a:t>the information required to create the key.</a:t>
             </a:r>
           </a:p>
           <a:p>
@@ -863,38 +917,78 @@
             </a:r>
             <a:r>
               <a:rPr lang="en-US" baseline="0" dirty="0" smtClean="0"/>
-              <a:t> processing data, I call a data hygiene process to standardize the address and return the bar code elements.</a:t>
-            </a:r>
-            <a:endParaRPr lang="en-US" dirty="0" smtClean="0"/>
-          </a:p>
-          <a:p>
-            <a:endParaRPr lang="en-US" dirty="0" smtClean="0"/>
+              <a:t> processing data, </a:t>
+            </a:r>
+            <a:r>
+              <a:rPr lang="en-US" baseline="0" dirty="0" smtClean="0"/>
+              <a:t>use 3</a:t>
+            </a:r>
+            <a:r>
+              <a:rPr lang="en-US" baseline="30000" dirty="0" smtClean="0"/>
+              <a:t>rd</a:t>
+            </a:r>
+            <a:r>
+              <a:rPr lang="en-US" baseline="0" dirty="0" smtClean="0"/>
+              <a:t> party data </a:t>
+            </a:r>
+            <a:r>
+              <a:rPr lang="en-US" baseline="0" dirty="0" smtClean="0"/>
+              <a:t>hygiene </a:t>
+            </a:r>
+            <a:r>
+              <a:rPr lang="en-US" baseline="0" dirty="0" smtClean="0"/>
+              <a:t>software to </a:t>
+            </a:r>
+            <a:r>
+              <a:rPr lang="en-US" baseline="0" dirty="0" smtClean="0"/>
+              <a:t>standardize the </a:t>
+            </a:r>
+            <a:r>
+              <a:rPr lang="en-US" baseline="0" dirty="0" smtClean="0"/>
+              <a:t>address. </a:t>
+            </a:r>
+          </a:p>
+          <a:p>
+            <a:endParaRPr lang="en-US" baseline="0" dirty="0" smtClean="0"/>
           </a:p>
           <a:p>
             <a:r>
               <a:rPr lang="en-US" dirty="0" smtClean="0"/>
-              <a:t>This requires</a:t>
-            </a:r>
-            <a:r>
-              <a:rPr lang="en-US" baseline="0" dirty="0" smtClean="0"/>
-              <a:t> the </a:t>
-            </a:r>
-            <a:r>
-              <a:rPr lang="en-US" dirty="0" smtClean="0"/>
-              <a:t>use</a:t>
-            </a:r>
-            <a:r>
-              <a:rPr lang="en-US" baseline="0" dirty="0" smtClean="0"/>
-              <a:t> of third party software or a cloud service to process your street address data.</a:t>
+              <a:t>For example,</a:t>
+            </a:r>
+            <a:r>
+              <a:rPr lang="en-US" baseline="0" dirty="0" smtClean="0"/>
+              <a:t> this incorrect address for Microsoft will be returned in the proper, standardized, format. The bar code data will be included too.</a:t>
             </a:r>
           </a:p>
           <a:p>
             <a:endParaRPr lang="en-US" baseline="0" dirty="0" smtClean="0"/>
           </a:p>
           <a:p>
-            <a:r>
-              <a:rPr lang="en-US" baseline="0" dirty="0" smtClean="0"/>
-              <a:t>The USPS certifies software vendors who create software that can clean up your data and provide all the bar code elements. You then import the standardized data into your database and build your indexes.</a:t>
+            <a:pPr marL="0" marR="0" indent="0" algn="l" defTabSz="457200" rtl="0" eaLnBrk="1" fontAlgn="auto" latinLnBrk="0" hangingPunct="1">
+              <a:lnSpc>
+                <a:spcPct val="100000"/>
+              </a:lnSpc>
+              <a:spcBef>
+                <a:spcPts val="0"/>
+              </a:spcBef>
+              <a:spcAft>
+                <a:spcPts val="0"/>
+              </a:spcAft>
+              <a:buClrTx/>
+              <a:buSzTx/>
+              <a:buFontTx/>
+              <a:buNone/>
+              <a:tabLst/>
+              <a:defRPr/>
+            </a:pPr>
+            <a:r>
+              <a:rPr lang="en-US" baseline="0" dirty="0" smtClean="0"/>
+              <a:t>The USPS certifies software vendors who create software that can clean up your data and provide all the bar code elements. The software is referred to as CASS certified or just CASS for short</a:t>
+            </a:r>
+            <a:r>
+              <a:rPr lang="en-US" baseline="0" dirty="0" smtClean="0"/>
+              <a:t>. You can find a list of CASS software providers from the USPS or by searching online.</a:t>
             </a:r>
           </a:p>
           <a:p>
@@ -903,14 +997,15 @@
           <a:p>
             <a:r>
               <a:rPr lang="en-US" baseline="0" dirty="0" smtClean="0"/>
-              <a:t>You can find a list of CASS software providers from the USPS or by searching online.</a:t>
+              <a:t>After this step, you </a:t>
+            </a:r>
+            <a:r>
+              <a:rPr lang="en-US" baseline="0" dirty="0" smtClean="0"/>
+              <a:t>then import the standardized data into your database and build your indexes.</a:t>
             </a:r>
           </a:p>
           <a:p>
             <a:endParaRPr lang="en-US" baseline="0" dirty="0" smtClean="0"/>
-          </a:p>
-          <a:p>
-            <a:endParaRPr lang="en-US" dirty="0"/>
           </a:p>
         </p:txBody>
       </p:sp>
@@ -1044,7 +1139,7 @@
           <a:p>
             <a:r>
               <a:rPr lang="en-US" baseline="0" dirty="0" smtClean="0"/>
-              <a:t>I am willing to offer free CASS service for open data projects. I have licensed a CASS software package and can run your files for you if you are working on an open data project.</a:t>
+              <a:t>Also, I am willing to offer free CASS service for open data projects. I have licensed a CASS software package and can run your files for you if you are working on an open data project.</a:t>
             </a:r>
           </a:p>
         </p:txBody>
@@ -1135,7 +1230,7 @@
             </a:r>
             <a:r>
               <a:rPr lang="en-US" baseline="0" dirty="0" smtClean="0"/>
-              <a:t> with street addresses, we often see messy data like this. All of these entries are referring to the same address. However, the data formatting is inconsistent or has typographical errors. This inconsistency leads to problems with sorting, grouping, and searching addresses.</a:t>
+              <a:t> with street addresses, we often see messy data like this. All of these entries are referring to the same address. However, the data formatting is inconsistent or has typographical errors. This inconsistency leads to problems with sorting, grouping, and searching.</a:t>
             </a:r>
           </a:p>
           <a:p>
@@ -1153,7 +1248,15 @@
           <a:p>
             <a:r>
               <a:rPr lang="en-US" baseline="0" dirty="0" smtClean="0"/>
-              <a:t>There is another way to work with street addresses that makes sorting, grouping, and searching quite easy. That story starts with this guy…</a:t>
+              <a:t>Don</a:t>
+            </a:r>
+            <a:r>
+              <a:rPr lang="fr-FR" baseline="0" dirty="0" smtClean="0"/>
+              <a:t>’</a:t>
+            </a:r>
+            <a:r>
+              <a:rPr lang="en-US" baseline="0" dirty="0" smtClean="0"/>
+              <a:t>t’ worry, there is another way to work with street addresses that makes sorting, grouping, and searching quite easy. That story starts with this guy…</a:t>
             </a:r>
           </a:p>
           <a:p>
@@ -1250,15 +1353,7 @@
             </a:r>
             <a:r>
               <a:rPr lang="en-US" baseline="0" dirty="0" smtClean="0"/>
-              <a:t> of us know Cliff </a:t>
-            </a:r>
-            <a:r>
-              <a:rPr lang="en-US" baseline="0" dirty="0" err="1" smtClean="0"/>
-              <a:t>Clavin</a:t>
-            </a:r>
-            <a:r>
-              <a:rPr lang="en-US" baseline="0" dirty="0" smtClean="0"/>
-              <a:t>. He is a great mail man, but he is no computer scientist. He doesn’t know about depth-first searches, breadth-first searches, or shortest-path algorithms. Although we can always find the shortest path to his next beer.</a:t>
+              <a:t> of us know Cliff. He is a great mail man, but he is no computer scientist. He doesn’t know about depth-first searches, breadth-first searches, or shortest-path algorithms. Although he can always find the shortest path to his next beer.</a:t>
             </a:r>
           </a:p>
           <a:p>
@@ -1267,7 +1362,7 @@
           <a:p>
             <a:r>
               <a:rPr lang="en-US" baseline="0" dirty="0" smtClean="0"/>
-              <a:t>Somehow, he delivers the mail reliably every day. Fortunately, Cliff works with some computer scientists and they help Cliff with this…</a:t>
+              <a:t>Somehow, he delivers the mail reliably every day. Fortunately, Cliff does work with some computer scientists and they help Cliff with this…</a:t>
             </a:r>
             <a:endParaRPr lang="en-US" dirty="0"/>
           </a:p>
@@ -1372,6 +1467,74 @@
             </a:pPr>
             <a:r>
               <a:rPr lang="en-US" dirty="0" smtClean="0"/>
+              <a:t>A postal</a:t>
+            </a:r>
+            <a:r>
+              <a:rPr lang="en-US" baseline="0" dirty="0" smtClean="0"/>
+              <a:t> </a:t>
+            </a:r>
+            <a:r>
+              <a:rPr lang="en-US" dirty="0" smtClean="0"/>
+              <a:t>bar </a:t>
+            </a:r>
+            <a:r>
+              <a:rPr lang="en-US" dirty="0" smtClean="0"/>
+              <a:t>code</a:t>
+            </a:r>
+            <a:r>
+              <a:rPr lang="en-US" baseline="0" dirty="0" smtClean="0"/>
+              <a:t> </a:t>
+            </a:r>
+            <a:r>
+              <a:rPr lang="en-US" baseline="0" dirty="0" smtClean="0"/>
+              <a:t>appears </a:t>
+            </a:r>
+            <a:r>
+              <a:rPr lang="en-US" baseline="0" dirty="0" smtClean="0"/>
+              <a:t>on every piece of mail delivered in the US.</a:t>
+            </a:r>
+            <a:endParaRPr lang="en-US" dirty="0" smtClean="0"/>
+          </a:p>
+          <a:p>
+            <a:pPr marL="0" marR="0" indent="0" algn="l" defTabSz="457200" rtl="0" eaLnBrk="1" fontAlgn="auto" latinLnBrk="0" hangingPunct="1">
+              <a:lnSpc>
+                <a:spcPct val="100000"/>
+              </a:lnSpc>
+              <a:spcBef>
+                <a:spcPts val="0"/>
+              </a:spcBef>
+              <a:spcAft>
+                <a:spcPts val="0"/>
+              </a:spcAft>
+              <a:buClrTx/>
+              <a:buSzTx/>
+              <a:buFontTx/>
+              <a:buNone/>
+              <a:tabLst/>
+              <a:defRPr/>
+            </a:pPr>
+            <a:endParaRPr lang="en-US" dirty="0" smtClean="0"/>
+          </a:p>
+          <a:p>
+            <a:pPr marL="0" marR="0" indent="0" algn="l" defTabSz="457200" rtl="0" eaLnBrk="1" fontAlgn="auto" latinLnBrk="0" hangingPunct="1">
+              <a:lnSpc>
+                <a:spcPct val="100000"/>
+              </a:lnSpc>
+              <a:spcBef>
+                <a:spcPts val="0"/>
+              </a:spcBef>
+              <a:spcAft>
+                <a:spcPts val="0"/>
+              </a:spcAft>
+              <a:buClrTx/>
+              <a:buSzTx/>
+              <a:buFontTx/>
+              <a:buNone/>
+              <a:tabLst/>
+              <a:defRPr/>
+            </a:pPr>
+            <a:r>
+              <a:rPr lang="en-US" dirty="0" smtClean="0"/>
               <a:t>Mr. ZIP promoted the use of ZIP codes for the USPS during the 1960s and 1970s.</a:t>
             </a:r>
             <a:r>
@@ -1394,19 +1557,35 @@
           <a:p>
             <a:r>
               <a:rPr lang="en-US" dirty="0" smtClean="0"/>
+              <a:t>The</a:t>
+            </a:r>
+            <a:r>
+              <a:rPr lang="en-US" baseline="0" dirty="0" smtClean="0"/>
+              <a:t> </a:t>
+            </a:r>
+            <a:r>
+              <a:rPr lang="en-US" dirty="0" smtClean="0"/>
               <a:t>POST</a:t>
             </a:r>
             <a:r>
               <a:rPr lang="en-US" baseline="0" dirty="0" smtClean="0"/>
-              <a:t>NET is </a:t>
+              <a:t>NET bar code shown here </a:t>
+            </a:r>
+            <a:r>
+              <a:rPr lang="en-US" baseline="0" dirty="0" smtClean="0"/>
+              <a:t>is </a:t>
             </a:r>
             <a:r>
               <a:rPr lang="en-US" dirty="0" smtClean="0"/>
-              <a:t>an 11 digit barcode, containing the ZIP Code, ZIP+4 Code, and the delivery point code. This is usually referred to as the DPBC, or Delivery Point Bar Code. Placed</a:t>
-            </a:r>
-            <a:r>
-              <a:rPr lang="en-US" baseline="0" dirty="0" smtClean="0"/>
-              <a:t> into use in 2005.</a:t>
+              <a:t>an 11 digit barcode, containing the ZIP Code, ZIP+4 Code, and the delivery point code. Versions</a:t>
+            </a:r>
+            <a:r>
+              <a:rPr lang="en-US" baseline="0" dirty="0" smtClean="0"/>
+              <a:t> of this bar code have been used for decades</a:t>
+            </a:r>
+            <a:r>
+              <a:rPr lang="en-US" baseline="0" dirty="0" smtClean="0"/>
+              <a:t>. There is also a new Intelligent Mail Bar Code that contains additional information about the mailer and the mail piece.</a:t>
             </a:r>
             <a:endParaRPr lang="en-US" dirty="0" smtClean="0"/>
           </a:p>
@@ -1416,25 +1595,31 @@
           <a:p>
             <a:r>
               <a:rPr lang="en-US" dirty="0" smtClean="0"/>
-              <a:t>The information contained</a:t>
-            </a:r>
-            <a:r>
-              <a:rPr lang="en-US" baseline="0" dirty="0" smtClean="0"/>
-              <a:t> in the bar code helps Cliff deliver the mail. It is also key to understand the bar code to efficiently analyze street addresses.</a:t>
-            </a:r>
-            <a:endParaRPr lang="en-US" dirty="0" smtClean="0"/>
-          </a:p>
-          <a:p>
-            <a:endParaRPr lang="en-US" dirty="0" smtClean="0"/>
-          </a:p>
-          <a:p>
+              <a:t>It is the information </a:t>
+            </a:r>
             <a:r>
               <a:rPr lang="en-US" dirty="0" smtClean="0"/>
-              <a:t>The POSTNET bar</a:t>
-            </a:r>
-            <a:r>
-              <a:rPr lang="en-US" baseline="0" dirty="0" smtClean="0"/>
-              <a:t> code was replaced after 2011 with an Intelligent Bar Code. The Intelligent Bar Code includes the POSTNET information + additional information on the Mailer. However, I will focus on the POSTNET code since it has the information we are interested in.</a:t>
+              <a:t>contained</a:t>
+            </a:r>
+            <a:r>
+              <a:rPr lang="en-US" baseline="0" dirty="0" smtClean="0"/>
+              <a:t> in the bar code </a:t>
+            </a:r>
+            <a:r>
+              <a:rPr lang="en-US" baseline="0" dirty="0" smtClean="0"/>
+              <a:t>that helps </a:t>
+            </a:r>
+            <a:r>
+              <a:rPr lang="en-US" baseline="0" dirty="0" smtClean="0"/>
+              <a:t>Cliff deliver the mail. It is also key to understand the bar code to efficiently analyze </a:t>
+            </a:r>
+            <a:r>
+              <a:rPr lang="en-US" baseline="0" dirty="0" smtClean="0"/>
+              <a:t>and process street </a:t>
+            </a:r>
+            <a:r>
+              <a:rPr lang="en-US" baseline="0" dirty="0" smtClean="0"/>
+              <a:t>addresses.</a:t>
             </a:r>
           </a:p>
           <a:p>
@@ -1442,14 +1627,14 @@
           </a:p>
           <a:p>
             <a:r>
-              <a:rPr lang="en-US" dirty="0" smtClean="0"/>
-              <a:t>Check the Wikipedia page if</a:t>
-            </a:r>
-            <a:r>
-              <a:rPr lang="en-US" baseline="0" dirty="0" smtClean="0"/>
-              <a:t> you would like the details on how the long and short bars are constructed. For our discussion, the bar code starts with the zip code + additional information.</a:t>
-            </a:r>
-            <a:endParaRPr lang="en-US" dirty="0" smtClean="0"/>
+              <a:rPr lang="en-US" baseline="0" dirty="0" smtClean="0"/>
+              <a:t>Let’s look at how Zip Codes work</a:t>
+            </a:r>
+            <a:r>
+              <a:rPr lang="en-US" baseline="0" dirty="0" smtClean="0"/>
+              <a:t>…</a:t>
+            </a:r>
+            <a:endParaRPr lang="en-US" baseline="0" dirty="0" smtClean="0"/>
           </a:p>
         </p:txBody>
       </p:sp>
@@ -1535,12 +1720,34 @@
           <a:p>
             <a:r>
               <a:rPr lang="en-US" dirty="0" smtClean="0"/>
-              <a:t>The US is split into zones and these zones form</a:t>
-            </a:r>
-            <a:r>
-              <a:rPr lang="en-US" baseline="0" dirty="0" smtClean="0"/>
-              <a:t> the first 2 or 3 digits of a zip code. The first 3 digits refer to a Sectional Control Facility (SCF)</a:t>
-            </a:r>
+              <a:t>The US is split into zip code zones and these zones form</a:t>
+            </a:r>
+            <a:r>
+              <a:rPr lang="en-US" baseline="0" dirty="0" smtClean="0"/>
+              <a:t> the first 2 or 3 digits of a zip code. </a:t>
+            </a:r>
+            <a:r>
+              <a:rPr lang="en-US" baseline="0" dirty="0" smtClean="0"/>
+              <a:t>Here </a:t>
+            </a:r>
+            <a:r>
+              <a:rPr lang="en-US" baseline="0" dirty="0" smtClean="0"/>
+              <a:t>we can see that Colorado zip codes all start with 80 or 81</a:t>
+            </a:r>
+            <a:r>
+              <a:rPr lang="en-US" baseline="0" dirty="0" smtClean="0"/>
+              <a:t>.</a:t>
+            </a:r>
+          </a:p>
+          <a:p>
+            <a:endParaRPr lang="en-US" baseline="0" dirty="0" smtClean="0"/>
+          </a:p>
+          <a:p>
+            <a:r>
+              <a:rPr lang="en-US" baseline="0" dirty="0" smtClean="0"/>
+              <a:t>The first 3 digits refer to a Sectional Control Facility (SCF) which will be contained within a zip code zone.</a:t>
+            </a:r>
+            <a:endParaRPr lang="en-US" baseline="0" dirty="0" smtClean="0"/>
           </a:p>
           <a:p>
             <a:endParaRPr lang="en-US" baseline="0" dirty="0" smtClean="0"/>
@@ -1636,7 +1843,11 @@
             </a:r>
             <a:r>
               <a:rPr lang="en-US" baseline="0" dirty="0" smtClean="0"/>
-              <a:t> an individual ZIP code.</a:t>
+              <a:t> an individual ZIP code in Boulder</a:t>
+            </a:r>
+            <a:r>
+              <a:rPr lang="en-US" baseline="0" dirty="0" smtClean="0"/>
+              <a:t>. You can see that CU has been excluded from 80301. CU has its own zip codes.</a:t>
             </a:r>
             <a:endParaRPr lang="en-US" dirty="0"/>
           </a:p>
@@ -1724,11 +1935,23 @@
           <a:p>
             <a:r>
               <a:rPr lang="en-US" dirty="0" smtClean="0"/>
-              <a:t>Zip+4 codes were assigned in the 1980s. Within a ZIP code, the USPS assigns</a:t>
-            </a:r>
-            <a:r>
-              <a:rPr lang="en-US" baseline="0" dirty="0" smtClean="0"/>
-              <a:t> a ZIP+4 code to small sections within the ZIP code. Typically, a +4 code is assigned to each side of the street on a block. So, in this photo, the homes on the left would share a 9-digit zip and the homes on the right would share a different 9-digit zip.</a:t>
+              <a:t>Zip+4 codes were assigned in the 1980s. Within a ZIP code, the USPS </a:t>
+            </a:r>
+            <a:r>
+              <a:rPr lang="en-US" dirty="0" smtClean="0"/>
+              <a:t>has assign</a:t>
+            </a:r>
+            <a:r>
+              <a:rPr lang="en-US" baseline="0" dirty="0" smtClean="0"/>
+              <a:t> </a:t>
+            </a:r>
+            <a:r>
+              <a:rPr lang="en-US" baseline="0" dirty="0" smtClean="0"/>
+              <a:t>a ZIP+4 code to small sections within the ZIP code. Typically, a +4 code is assigned to each side of the street on a particular block. So, in this photo, the homes on the left would share a 9-digit zip and the homes on the right would share a different 9-digit zip</a:t>
+            </a:r>
+            <a:r>
+              <a:rPr lang="en-US" baseline="0" dirty="0" smtClean="0"/>
+              <a:t>. There can be thousands of +4 codes within a single zip code.</a:t>
             </a:r>
             <a:endParaRPr lang="en-US" dirty="0"/>
           </a:p>
@@ -1828,7 +2051,15 @@
             </a:r>
             <a:r>
               <a:rPr lang="en-US" baseline="0" dirty="0" smtClean="0"/>
-              <a:t> buildings, the USPS may assign different +4 codes for each floor. So, the residents on a certain floor will usually share the same 9-digit zip code.</a:t>
+              <a:t> buildings, the USPS may assign different +4 codes for each floor. So, the residents on a </a:t>
+            </a:r>
+            <a:r>
+              <a:rPr lang="en-US" baseline="0" dirty="0" smtClean="0"/>
+              <a:t>given floor </a:t>
+            </a:r>
+            <a:r>
+              <a:rPr lang="en-US" baseline="0" dirty="0" smtClean="0"/>
+              <a:t>will usually share the same 9-digit zip code.</a:t>
             </a:r>
             <a:endParaRPr lang="en-US" dirty="0"/>
           </a:p>
@@ -1916,11 +2147,40 @@
           <a:p>
             <a:r>
               <a:rPr lang="en-US" dirty="0" smtClean="0"/>
-              <a:t>To complete</a:t>
-            </a:r>
-            <a:r>
-              <a:rPr lang="en-US" baseline="0" dirty="0" smtClean="0"/>
-              <a:t> the bar code, the USPS will add the last two digits of the house number to the Zip+4 code for a total of eleven digits. In a </a:t>
+              <a:t>Finally,</a:t>
+            </a:r>
+            <a:r>
+              <a:rPr lang="en-US" baseline="0" dirty="0" smtClean="0"/>
+              <a:t> </a:t>
+            </a:r>
+            <a:r>
+              <a:rPr lang="en-US" dirty="0" smtClean="0"/>
+              <a:t>to </a:t>
+            </a:r>
+            <a:r>
+              <a:rPr lang="en-US" dirty="0" smtClean="0"/>
+              <a:t>complete</a:t>
+            </a:r>
+            <a:r>
+              <a:rPr lang="en-US" baseline="0" dirty="0" smtClean="0"/>
+              <a:t> the bar code, the USPS will add the last two digits of the house number to the Zip+4 code for a total of eleven digits. </a:t>
+            </a:r>
+            <a:r>
+              <a:rPr lang="en-US" baseline="0" dirty="0" smtClean="0"/>
+              <a:t>If this is 123 Main Street, the delivery point code will be ‘23’.</a:t>
+            </a:r>
+          </a:p>
+          <a:p>
+            <a:endParaRPr lang="en-US" baseline="0" dirty="0" smtClean="0"/>
+          </a:p>
+          <a:p>
+            <a:r>
+              <a:rPr lang="en-US" baseline="0" dirty="0" smtClean="0"/>
+              <a:t>In </a:t>
+            </a:r>
+            <a:r>
+              <a:rPr lang="en-US" baseline="0" dirty="0" smtClean="0"/>
+              <a:t>a </a:t>
             </a:r>
             <a:r>
               <a:rPr lang="en-US" baseline="0" dirty="0" err="1" smtClean="0"/>
@@ -1928,7 +2188,23 @@
             </a:r>
             <a:r>
               <a:rPr lang="en-US" baseline="0" dirty="0" smtClean="0"/>
-              <a:t> building, the two digit delivery point will commonly be 99 indicating that there are multiple delivery points and unit number is required for final delivery.</a:t>
+              <a:t> building, the two digit delivery point code will </a:t>
+            </a:r>
+            <a:r>
+              <a:rPr lang="en-US" baseline="0" dirty="0" smtClean="0"/>
+              <a:t>be the same for all delivery </a:t>
+            </a:r>
+            <a:r>
+              <a:rPr lang="en-US" baseline="0" dirty="0" smtClean="0"/>
+              <a:t>points </a:t>
+            </a:r>
+            <a:r>
+              <a:rPr lang="en-US" baseline="0" dirty="0" smtClean="0"/>
+              <a:t>in the building and </a:t>
+            </a:r>
+            <a:r>
+              <a:rPr lang="en-US" baseline="0" dirty="0" smtClean="0"/>
+              <a:t>unit number is required for final delivery.</a:t>
             </a:r>
           </a:p>
           <a:p>
@@ -5175,12 +5451,12 @@
           <a:lstStyle/>
           <a:p>
             <a:r>
-              <a:rPr lang="en-US" sz="3200" dirty="0"/>
+              <a:rPr lang="en-US" sz="3200" dirty="0" smtClean="0"/>
               <a:t>33701-4313</a:t>
             </a:r>
             <a:r>
               <a:rPr lang="en-US" sz="3200" dirty="0" smtClean="0"/>
-              <a:t>-99</a:t>
+              <a:t>-00</a:t>
             </a:r>
             <a:endParaRPr lang="en-US" sz="3200" dirty="0"/>
           </a:p>
@@ -5327,7 +5603,7 @@
           <a:p>
             <a:r>
               <a:rPr lang="en-US" sz="3200" dirty="0" smtClean="0"/>
-              <a:t>33701431399UNIT358 </a:t>
+              <a:t>33701431300UNIT358 </a:t>
             </a:r>
             <a:endParaRPr lang="en-US" sz="3200" dirty="0"/>
           </a:p>
@@ -5396,38 +5672,41 @@
             <p:ph idx="1"/>
           </p:nvPr>
         </p:nvSpPr>
-        <p:spPr/>
-        <p:txBody>
-          <a:bodyPr/>
+        <p:spPr>
+          <a:xfrm>
+            <a:off x="457200" y="4005766"/>
+            <a:ext cx="8229600" cy="2124153"/>
+          </a:xfrm>
+        </p:spPr>
+        <p:txBody>
+          <a:bodyPr>
+            <a:normAutofit lnSpcReduction="10000"/>
+          </a:bodyPr>
           <a:lstStyle/>
           <a:p>
             <a:r>
               <a:rPr lang="en-US" dirty="0" smtClean="0"/>
-              <a:t>Coding Accuracy Support Software (CASS)</a:t>
-            </a:r>
-          </a:p>
-          <a:p>
+              <a:t>Coding Accuracy Support Software (CASS</a:t>
+            </a:r>
             <a:r>
               <a:rPr lang="en-US" dirty="0" smtClean="0"/>
-              <a:t>A list of CASS certified software vendors can be obtained from the USPS</a:t>
-            </a:r>
-          </a:p>
-          <a:p>
-            <a:pPr lvl="1"/>
-            <a:r>
-              <a:rPr lang="en-US" sz="2400" dirty="0" smtClean="0">
-                <a:hlinkClick r:id="rId3"/>
-              </a:rPr>
-              <a:t>http://ribbs.usps.gov/files/vendors/cassn01d.TXT</a:t>
-            </a:r>
-            <a:endParaRPr lang="en-US" sz="2400" dirty="0" smtClean="0"/>
+              <a:t>)</a:t>
+            </a:r>
           </a:p>
           <a:p>
             <a:r>
               <a:rPr lang="en-US" dirty="0" smtClean="0"/>
-              <a:t>Also search online for CASS address services.</a:t>
-            </a:r>
-            <a:endParaRPr lang="en-US" dirty="0"/>
+              <a:t>A </a:t>
+            </a:r>
+            <a:r>
+              <a:rPr lang="en-US" dirty="0" smtClean="0"/>
+              <a:t>list of CASS certified software vendors can be obtained from the </a:t>
+            </a:r>
+            <a:r>
+              <a:rPr lang="en-US" dirty="0" smtClean="0"/>
+              <a:t>USPS or by searching online.</a:t>
+            </a:r>
+            <a:endParaRPr lang="en-US" dirty="0" smtClean="0"/>
           </a:p>
         </p:txBody>
       </p:sp>
@@ -5440,7 +5719,7 @@
           <p:nvPr/>
         </p:nvPicPr>
         <p:blipFill>
-          <a:blip r:embed="rId4">
+          <a:blip r:embed="rId3">
             <a:extLst>
               <a:ext uri="{28A0092B-C50C-407E-A947-70E740481C1C}">
                 <a14:useLocalDpi xmlns:a14="http://schemas.microsoft.com/office/drawing/2010/main" val="0"/>
@@ -5461,6 +5740,176 @@
           </a:prstGeom>
         </p:spPr>
       </p:pic>
+      <p:sp>
+        <p:nvSpPr>
+          <p:cNvPr id="5" name="TextBox 4"/>
+          <p:cNvSpPr txBox="1"/>
+          <p:nvPr/>
+        </p:nvSpPr>
+        <p:spPr>
+          <a:xfrm>
+            <a:off x="647255" y="1585190"/>
+            <a:ext cx="7751307" cy="2339102"/>
+          </a:xfrm>
+          <a:prstGeom prst="rect">
+            <a:avLst/>
+          </a:prstGeom>
+          <a:noFill/>
+        </p:spPr>
+        <p:txBody>
+          <a:bodyPr wrap="none" rtlCol="0">
+            <a:spAutoFit/>
+          </a:bodyPr>
+          <a:lstStyle/>
+          <a:p>
+            <a:r>
+              <a:rPr lang="en-US" sz="3200" dirty="0" smtClean="0"/>
+              <a:t>Use 3</a:t>
+            </a:r>
+            <a:r>
+              <a:rPr lang="en-US" sz="3200" baseline="30000" dirty="0" smtClean="0"/>
+              <a:t>rd</a:t>
+            </a:r>
+            <a:r>
+              <a:rPr lang="en-US" sz="3200" dirty="0" smtClean="0"/>
+              <a:t> Party Software to cleanup addresses:</a:t>
+            </a:r>
+          </a:p>
+          <a:p>
+            <a:endParaRPr lang="en-US" sz="3200" dirty="0" smtClean="0"/>
+          </a:p>
+          <a:p>
+            <a:r>
+              <a:rPr lang="en-US" sz="3200" dirty="0" smtClean="0">
+                <a:solidFill>
+                  <a:schemeClr val="bg1">
+                    <a:lumMod val="50000"/>
+                  </a:schemeClr>
+                </a:solidFill>
+              </a:rPr>
+              <a:t>1 </a:t>
+            </a:r>
+            <a:r>
+              <a:rPr lang="en-US" sz="3200" dirty="0" err="1" smtClean="0">
+                <a:solidFill>
+                  <a:schemeClr val="bg1">
+                    <a:lumMod val="50000"/>
+                  </a:schemeClr>
+                </a:solidFill>
+              </a:rPr>
+              <a:t>Microwsoft</a:t>
+            </a:r>
+            <a:r>
+              <a:rPr lang="en-US" sz="3200" dirty="0" smtClean="0">
+                <a:solidFill>
+                  <a:schemeClr val="bg1">
+                    <a:lumMod val="50000"/>
+                  </a:schemeClr>
+                </a:solidFill>
+              </a:rPr>
+              <a:t> Weigh, </a:t>
+            </a:r>
+            <a:r>
+              <a:rPr lang="en-US" sz="3200" dirty="0" err="1">
+                <a:solidFill>
+                  <a:schemeClr val="bg1">
+                    <a:lumMod val="50000"/>
+                  </a:schemeClr>
+                </a:solidFill>
+              </a:rPr>
+              <a:t>Redmund</a:t>
+            </a:r>
+            <a:r>
+              <a:rPr lang="en-US" sz="3200" dirty="0">
+                <a:solidFill>
+                  <a:schemeClr val="bg1">
+                    <a:lumMod val="50000"/>
+                  </a:schemeClr>
+                </a:solidFill>
+              </a:rPr>
+              <a:t>, </a:t>
+            </a:r>
+            <a:r>
+              <a:rPr lang="en-US" sz="3200" dirty="0" smtClean="0">
+                <a:solidFill>
+                  <a:schemeClr val="bg1">
+                    <a:lumMod val="50000"/>
+                  </a:schemeClr>
+                </a:solidFill>
+              </a:rPr>
+              <a:t>WA =&gt;</a:t>
+            </a:r>
+            <a:r>
+              <a:rPr lang="en-US" sz="3200" dirty="0">
+                <a:solidFill>
+                  <a:schemeClr val="bg1">
+                    <a:lumMod val="50000"/>
+                  </a:schemeClr>
+                </a:solidFill>
+              </a:rPr>
+              <a:t/>
+            </a:r>
+            <a:br>
+              <a:rPr lang="en-US" sz="3200" dirty="0">
+                <a:solidFill>
+                  <a:schemeClr val="bg1">
+                    <a:lumMod val="50000"/>
+                  </a:schemeClr>
+                </a:solidFill>
+              </a:rPr>
+            </a:br>
+            <a:r>
+              <a:rPr lang="en-US" sz="3200" dirty="0">
+                <a:solidFill>
+                  <a:schemeClr val="bg1">
+                    <a:lumMod val="50000"/>
+                  </a:schemeClr>
+                </a:solidFill>
+              </a:rPr>
+              <a:t>1 Microsoft Way, Redmond, WA 98052-8300</a:t>
+            </a:r>
+          </a:p>
+          <a:p>
+            <a:endParaRPr lang="en-US" dirty="0"/>
+          </a:p>
+        </p:txBody>
+      </p:sp>
+      <p:sp>
+        <p:nvSpPr>
+          <p:cNvPr id="6" name="TextBox 5"/>
+          <p:cNvSpPr txBox="1"/>
+          <p:nvPr/>
+        </p:nvSpPr>
+        <p:spPr>
+          <a:xfrm>
+            <a:off x="781587" y="6288662"/>
+            <a:ext cx="3801041" cy="523220"/>
+          </a:xfrm>
+          <a:prstGeom prst="rect">
+            <a:avLst/>
+          </a:prstGeom>
+          <a:noFill/>
+        </p:spPr>
+        <p:txBody>
+          <a:bodyPr wrap="none" rtlCol="0">
+            <a:spAutoFit/>
+          </a:bodyPr>
+          <a:lstStyle/>
+          <a:p>
+            <a:pPr marL="0" lvl="1"/>
+            <a:r>
+              <a:rPr lang="en-US" sz="1400" dirty="0">
+                <a:hlinkClick r:id="rId4"/>
+              </a:rPr>
+              <a:t>http://ribbs.usps.gov/files/vendors/cassn01d.TXT</a:t>
+            </a:r>
+            <a:endParaRPr lang="en-US" sz="1400" dirty="0"/>
+          </a:p>
+          <a:p>
+            <a:endParaRPr lang="en-US" sz="1400" dirty="0"/>
+          </a:p>
+        </p:txBody>
+      </p:sp>
     </p:spTree>
     <p:extLst>
       <p:ext uri="{BB962C8B-B14F-4D97-AF65-F5344CB8AC3E}">
@@ -6081,7 +6530,11 @@
           <a:p>
             <a:r>
               <a:rPr lang="en-US" dirty="0" smtClean="0"/>
-              <a:t>POSTNET Barcode</a:t>
+              <a:t>Postal </a:t>
+            </a:r>
+            <a:r>
+              <a:rPr lang="en-US" dirty="0" smtClean="0"/>
+              <a:t>Barcode</a:t>
             </a:r>
             <a:endParaRPr lang="en-US" dirty="0"/>
           </a:p>
@@ -6187,6 +6640,48 @@
           </a:p>
           <a:p>
             <a:endParaRPr lang="en-US" sz="1400" dirty="0"/>
+          </a:p>
+        </p:txBody>
+      </p:sp>
+      <p:sp>
+        <p:nvSpPr>
+          <p:cNvPr id="8" name="TextBox 7"/>
+          <p:cNvSpPr txBox="1"/>
+          <p:nvPr/>
+        </p:nvSpPr>
+        <p:spPr>
+          <a:xfrm>
+            <a:off x="6657391" y="2873533"/>
+            <a:ext cx="2029409" cy="923330"/>
+          </a:xfrm>
+          <a:prstGeom prst="rect">
+            <a:avLst/>
+          </a:prstGeom>
+          <a:noFill/>
+        </p:spPr>
+        <p:txBody>
+          <a:bodyPr wrap="none" rtlCol="0">
+            <a:spAutoFit/>
+          </a:bodyPr>
+          <a:lstStyle/>
+          <a:p>
+            <a:r>
+              <a:rPr lang="en-US" dirty="0" smtClean="0"/>
+              <a:t>ZIP Code</a:t>
+            </a:r>
+          </a:p>
+          <a:p>
+            <a:r>
+              <a:rPr lang="en-US" dirty="0" smtClean="0"/>
+              <a:t>+4 Code</a:t>
+            </a:r>
+          </a:p>
+          <a:p>
+            <a:r>
+              <a:rPr lang="en-US" dirty="0" smtClean="0"/>
+              <a:t>Delivery Point Code</a:t>
+            </a:r>
+            <a:endParaRPr lang="en-US" dirty="0"/>
           </a:p>
         </p:txBody>
       </p:sp>

--- a/presentations/street_addresses.pptx
+++ b/presentations/street_addresses.pptx
@@ -205,7 +205,7 @@
           <a:p>
             <a:fld id="{C8D24739-3BD9-BD41-ADC6-256603A819DE}" type="datetimeFigureOut">
               <a:rPr lang="en-US" smtClean="0"/>
-              <a:t>1/4/14</a:t>
+              <a:t>1/6/14</a:t>
             </a:fld>
             <a:endParaRPr lang="en-US"/>
           </a:p>
@@ -523,11 +523,15 @@
             </a:r>
             <a:r>
               <a:rPr lang="en-US" baseline="0" dirty="0" smtClean="0"/>
-              <a:t> my name is Brian Long and the title of my talk today is “Working With Street Addresses” You can also find me at any of these popular hangouts</a:t>
-            </a:r>
-            <a:r>
-              <a:rPr lang="en-US" baseline="0" dirty="0" smtClean="0"/>
-              <a:t>.</a:t>
+              <a:t> </a:t>
+            </a:r>
+            <a:r>
+              <a:rPr lang="en-US" baseline="0" dirty="0" smtClean="0"/>
+              <a:t>I am </a:t>
+            </a:r>
+            <a:r>
+              <a:rPr lang="en-US" baseline="0" dirty="0" smtClean="0"/>
+              <a:t>Brian Long and the title of my talk today is “Working With Street Addresses” You can also find me at any of these popular hangouts.</a:t>
             </a:r>
           </a:p>
           <a:p>
@@ -536,11 +540,19 @@
           <a:p>
             <a:r>
               <a:rPr lang="en-US" baseline="0" dirty="0" smtClean="0"/>
-              <a:t>My company crawls the web reading real estate advertisements. We process millions of street </a:t>
-            </a:r>
-            <a:r>
-              <a:rPr lang="en-US" baseline="0" smtClean="0"/>
-              <a:t>addresses each year.</a:t>
+              <a:t>My company crawls the web reading real estate </a:t>
+            </a:r>
+            <a:r>
+              <a:rPr lang="en-US" baseline="0" dirty="0" smtClean="0"/>
+              <a:t>advertisements and we </a:t>
+            </a:r>
+            <a:r>
+              <a:rPr lang="en-US" baseline="0" dirty="0" smtClean="0"/>
+              <a:t>process millions of street addresses each </a:t>
+            </a:r>
+            <a:r>
+              <a:rPr lang="en-US" baseline="0" dirty="0" smtClean="0"/>
+              <a:t>year. And In doing this, we use a little trick to help with sorting, grouping, and searching street addresses. Today, I would like to share this trick with you.</a:t>
             </a:r>
             <a:endParaRPr lang="en-US" dirty="0"/>
           </a:p>
@@ -628,23 +640,54 @@
           <a:p>
             <a:r>
               <a:rPr lang="en-US" dirty="0" smtClean="0"/>
-              <a:t>Ignoring</a:t>
-            </a:r>
-            <a:r>
-              <a:rPr lang="en-US" baseline="0" dirty="0" smtClean="0"/>
-              <a:t> the check digit, here is the full delivery point bar code for Wikipedia. 33701 is the ZIP code, 4313 is the +4 code, and </a:t>
-            </a:r>
-            <a:r>
-              <a:rPr lang="en-US" baseline="0" dirty="0" smtClean="0"/>
-              <a:t>00 is </a:t>
-            </a:r>
-            <a:r>
-              <a:rPr lang="en-US" baseline="0" dirty="0" smtClean="0"/>
-              <a:t>the delivery point </a:t>
-            </a:r>
-            <a:r>
-              <a:rPr lang="en-US" baseline="0" dirty="0" smtClean="0"/>
-              <a:t>code. </a:t>
+              <a:t>Here is an</a:t>
+            </a:r>
+            <a:r>
+              <a:rPr lang="en-US" baseline="0" dirty="0" smtClean="0"/>
+              <a:t> example for Wikipedia.</a:t>
+            </a:r>
+          </a:p>
+          <a:p>
+            <a:endParaRPr lang="en-US" baseline="0" dirty="0" smtClean="0"/>
+          </a:p>
+          <a:p>
+            <a:r>
+              <a:rPr lang="en-US" baseline="0" dirty="0" smtClean="0"/>
+              <a:t>33701 </a:t>
+            </a:r>
+            <a:r>
+              <a:rPr lang="en-US" baseline="0" dirty="0" smtClean="0"/>
+              <a:t>is the ZIP code, 4313 is the +4 code, and 00 is the delivery point code</a:t>
+            </a:r>
+            <a:r>
+              <a:rPr lang="en-US" baseline="0" dirty="0" smtClean="0"/>
+              <a:t>.</a:t>
+            </a:r>
+          </a:p>
+          <a:p>
+            <a:endParaRPr lang="en-US" baseline="0" dirty="0" smtClean="0"/>
+          </a:p>
+          <a:p>
+            <a:pPr marL="0" marR="0" indent="0" algn="l" defTabSz="457200" rtl="0" eaLnBrk="1" fontAlgn="auto" latinLnBrk="0" hangingPunct="1">
+              <a:lnSpc>
+                <a:spcPct val="100000"/>
+              </a:lnSpc>
+              <a:spcBef>
+                <a:spcPts val="0"/>
+              </a:spcBef>
+              <a:spcAft>
+                <a:spcPts val="0"/>
+              </a:spcAft>
+              <a:buClrTx/>
+              <a:buSzTx/>
+              <a:buFontTx/>
+              <a:buNone/>
+              <a:tabLst/>
+              <a:defRPr/>
+            </a:pPr>
+            <a:r>
+              <a:rPr lang="en-US" baseline="0" dirty="0" smtClean="0"/>
+              <a:t>Inside the bar code, the post office also includes a check digit calculated with the sum modulo 10 of the bar code digits. This check digit is not important for our story. So I will ignore for the rest of this talk.</a:t>
             </a:r>
             <a:endParaRPr lang="en-US" baseline="0" dirty="0" smtClean="0"/>
           </a:p>
@@ -671,16 +714,37 @@
           <a:p>
             <a:r>
               <a:rPr lang="en-US" baseline="0" dirty="0" smtClean="0"/>
-              <a:t>Thinking back to our friend Cliff </a:t>
-            </a:r>
-            <a:r>
-              <a:rPr lang="en-US" baseline="0" dirty="0" err="1" smtClean="0"/>
-              <a:t>Clavin</a:t>
-            </a:r>
-            <a:r>
-              <a:rPr lang="en-US" baseline="0" dirty="0" smtClean="0"/>
-              <a:t>, this is how he can deliver the mail so reliably. Every day, his mail is sorted into a walk sequence based on these codes. All he needs to do is follow the addresses in the order they are sorted in his stack of mail.</a:t>
-            </a:r>
+              <a:t>Thinking back to our friend </a:t>
+            </a:r>
+            <a:r>
+              <a:rPr lang="en-US" baseline="0" dirty="0" smtClean="0"/>
+              <a:t>Cliff, </a:t>
+            </a:r>
+            <a:r>
+              <a:rPr lang="en-US" baseline="0" dirty="0" smtClean="0"/>
+              <a:t>this is how he can deliver the mail so reliably. Every day, his mail is sorted into a walk sequence based on these codes. All he needs to do is </a:t>
+            </a:r>
+            <a:r>
+              <a:rPr lang="en-US" baseline="0" dirty="0" smtClean="0"/>
+              <a:t>pick up his mail for the day and follow </a:t>
+            </a:r>
+            <a:r>
+              <a:rPr lang="en-US" baseline="0" dirty="0" smtClean="0"/>
+              <a:t>the addresses in the </a:t>
+            </a:r>
+            <a:r>
+              <a:rPr lang="en-US" baseline="0" dirty="0" smtClean="0"/>
+              <a:t>order that </a:t>
+            </a:r>
+            <a:r>
+              <a:rPr lang="en-US" baseline="0" dirty="0" smtClean="0"/>
+              <a:t>they are </a:t>
+            </a:r>
+            <a:r>
+              <a:rPr lang="en-US" baseline="0" dirty="0" smtClean="0"/>
+              <a:t>sorted.</a:t>
+            </a:r>
+            <a:endParaRPr lang="en-US" baseline="0" dirty="0" smtClean="0"/>
           </a:p>
           <a:p>
             <a:endParaRPr lang="en-US" baseline="0" dirty="0" smtClean="0"/>
@@ -789,7 +853,15 @@
           <a:p>
             <a:r>
               <a:rPr lang="en-US" baseline="0" dirty="0" smtClean="0"/>
-              <a:t>Doesn’t it seem easier to work with this string sequence than the mish-mash of street addresses that we saw in the first slide?</a:t>
+              <a:t>Doesn’t it seem easier to work with this </a:t>
+            </a:r>
+            <a:r>
+              <a:rPr lang="en-US" baseline="0" dirty="0" smtClean="0"/>
+              <a:t>code than </a:t>
+            </a:r>
+            <a:r>
+              <a:rPr lang="en-US" baseline="0" dirty="0" smtClean="0"/>
+              <a:t>the mish-mash of street addresses that we saw in the first slide?</a:t>
             </a:r>
           </a:p>
           <a:p>
@@ -798,15 +870,7 @@
           <a:p>
             <a:r>
               <a:rPr lang="en-US" baseline="0" dirty="0" smtClean="0"/>
-              <a:t>In my systems, I create an indexed database column for this key and use it for all of our sorting, grouping, and matching operations. It is an extremely fast and accurate way to process </a:t>
-            </a:r>
-            <a:r>
-              <a:rPr lang="en-US" baseline="0" dirty="0" smtClean="0"/>
-              <a:t>street addresses</a:t>
-            </a:r>
-            <a:r>
-              <a:rPr lang="en-US" baseline="0" dirty="0" smtClean="0"/>
-              <a:t>.</a:t>
+              <a:t>In my systems, I create an indexed database column for this key and use it for all of our sorting, grouping, and matching operations. It is an extremely fast and accurate way to process street addresses.</a:t>
             </a:r>
           </a:p>
           <a:p>
@@ -815,15 +879,11 @@
           <a:p>
             <a:r>
               <a:rPr lang="en-US" baseline="0" dirty="0" smtClean="0"/>
-              <a:t>The last thing to talk about is how we </a:t>
-            </a:r>
-            <a:r>
-              <a:rPr lang="en-US" baseline="0" dirty="0" smtClean="0"/>
-              <a:t>get </a:t>
-            </a:r>
-            <a:r>
-              <a:rPr lang="en-US" baseline="0" dirty="0" smtClean="0"/>
-              <a:t>the information required to create the key.</a:t>
+              <a:t>So, The </a:t>
+            </a:r>
+            <a:r>
+              <a:rPr lang="en-US" baseline="0" dirty="0" smtClean="0"/>
+              <a:t>last thing to talk about is how we get the information required to create the key.</a:t>
             </a:r>
           </a:p>
           <a:p>
@@ -921,7 +981,7 @@
             </a:r>
             <a:r>
               <a:rPr lang="en-US" baseline="0" dirty="0" smtClean="0"/>
-              <a:t>use 3</a:t>
+              <a:t>we use 3</a:t>
             </a:r>
             <a:r>
               <a:rPr lang="en-US" baseline="30000" dirty="0" smtClean="0"/>
@@ -929,24 +989,26 @@
             </a:r>
             <a:r>
               <a:rPr lang="en-US" baseline="0" dirty="0" smtClean="0"/>
-              <a:t> party data </a:t>
-            </a:r>
-            <a:r>
-              <a:rPr lang="en-US" baseline="0" dirty="0" smtClean="0"/>
-              <a:t>hygiene </a:t>
-            </a:r>
-            <a:r>
-              <a:rPr lang="en-US" baseline="0" dirty="0" smtClean="0"/>
-              <a:t>software to </a:t>
-            </a:r>
-            <a:r>
-              <a:rPr lang="en-US" baseline="0" dirty="0" smtClean="0"/>
-              <a:t>standardize the </a:t>
-            </a:r>
-            <a:r>
-              <a:rPr lang="en-US" baseline="0" dirty="0" smtClean="0"/>
-              <a:t>address. </a:t>
-            </a:r>
+              <a:t> </a:t>
+            </a:r>
+            <a:r>
+              <a:rPr lang="en-US" baseline="0" dirty="0" smtClean="0"/>
+              <a:t>party data hygiene software to standardize the address. </a:t>
+            </a:r>
+            <a:r>
+              <a:rPr lang="en-US" baseline="0" dirty="0" smtClean="0"/>
+              <a:t>In our case, the software is embedded into our systems. Stand-alone software and cloud services are also available.</a:t>
+            </a:r>
+          </a:p>
+          <a:p>
+            <a:endParaRPr lang="en-US" baseline="0" dirty="0" smtClean="0"/>
+          </a:p>
+          <a:p>
+            <a:r>
+              <a:rPr lang="en-US" baseline="0" dirty="0" smtClean="0"/>
+              <a:t>All incoming data is scrubbed and the standardized address and bar code elements are returned.</a:t>
+            </a:r>
+            <a:endParaRPr lang="en-US" baseline="0" dirty="0" smtClean="0"/>
           </a:p>
           <a:p>
             <a:endParaRPr lang="en-US" baseline="0" dirty="0" smtClean="0"/>
@@ -984,11 +1046,31 @@
             </a:pPr>
             <a:r>
               <a:rPr lang="en-US" baseline="0" dirty="0" smtClean="0"/>
-              <a:t>The USPS certifies software vendors who create software that can clean up your data and provide all the bar code elements. The software is referred to as CASS certified or just CASS for short</a:t>
-            </a:r>
-            <a:r>
-              <a:rPr lang="en-US" baseline="0" dirty="0" smtClean="0"/>
-              <a:t>. You can find a list of CASS software providers from the USPS or by searching online.</a:t>
+              <a:t>The </a:t>
+            </a:r>
+            <a:r>
+              <a:rPr lang="en-US" baseline="0" dirty="0" smtClean="0"/>
+              <a:t>post office certifies </a:t>
+            </a:r>
+            <a:r>
+              <a:rPr lang="en-US" baseline="0" dirty="0" smtClean="0"/>
+              <a:t>software vendors who create software that can clean up your data and </a:t>
+            </a:r>
+            <a:r>
+              <a:rPr lang="en-US" baseline="0" dirty="0" smtClean="0"/>
+              <a:t>prepare the addresses for mailing. </a:t>
+            </a:r>
+            <a:r>
+              <a:rPr lang="en-US" baseline="0" dirty="0" smtClean="0"/>
+              <a:t>The software is referred to as CASS certified or just CASS for short. You can find a list of CASS software providers from the </a:t>
+            </a:r>
+            <a:r>
+              <a:rPr lang="en-US" baseline="0" dirty="0" smtClean="0"/>
+              <a:t>post office or </a:t>
+            </a:r>
+            <a:r>
+              <a:rPr lang="en-US" baseline="0" dirty="0" smtClean="0"/>
+              <a:t>by searching online.</a:t>
             </a:r>
           </a:p>
           <a:p>
@@ -997,11 +1079,31 @@
           <a:p>
             <a:r>
               <a:rPr lang="en-US" baseline="0" dirty="0" smtClean="0"/>
-              <a:t>After this step, you </a:t>
-            </a:r>
-            <a:r>
-              <a:rPr lang="en-US" baseline="0" dirty="0" smtClean="0"/>
-              <a:t>then import the standardized data into your database and build your indexes.</a:t>
+              <a:t>After this step, </a:t>
+            </a:r>
+            <a:r>
+              <a:rPr lang="en-US" baseline="0" dirty="0" smtClean="0"/>
+              <a:t>we then </a:t>
+            </a:r>
+            <a:r>
+              <a:rPr lang="en-US" baseline="0" dirty="0" smtClean="0"/>
+              <a:t>import the standardized data into </a:t>
+            </a:r>
+            <a:r>
+              <a:rPr lang="en-US" baseline="0" dirty="0" smtClean="0"/>
+              <a:t>our </a:t>
+            </a:r>
+            <a:r>
+              <a:rPr lang="en-US" baseline="0" dirty="0" smtClean="0"/>
+              <a:t>database and build </a:t>
+            </a:r>
+            <a:r>
+              <a:rPr lang="en-US" baseline="0" dirty="0" smtClean="0"/>
+              <a:t>the indexes</a:t>
+            </a:r>
+            <a:r>
+              <a:rPr lang="en-US" baseline="0" dirty="0" smtClean="0"/>
+              <a:t>.</a:t>
             </a:r>
           </a:p>
           <a:p>
@@ -1091,7 +1193,20 @@
           <a:p>
             <a:r>
               <a:rPr lang="en-US" dirty="0" smtClean="0"/>
-              <a:t>Use third party CASS software for data hygiene.</a:t>
+              <a:t>Street addresses are messy data.</a:t>
+            </a:r>
+          </a:p>
+          <a:p>
+            <a:endParaRPr lang="en-US" smtClean="0"/>
+          </a:p>
+          <a:p>
+            <a:r>
+              <a:rPr lang="en-US" smtClean="0"/>
+              <a:t>Use </a:t>
+            </a:r>
+            <a:r>
+              <a:rPr lang="en-US" dirty="0" smtClean="0"/>
+              <a:t>third party CASS software for data hygiene.</a:t>
             </a:r>
           </a:p>
           <a:p>
@@ -1130,17 +1245,13 @@
             </a:r>
             <a:r>
               <a:rPr lang="en-US" baseline="0" dirty="0" smtClean="0"/>
-              <a:t> Ruby code that may help you with your next project.</a:t>
-            </a:r>
-          </a:p>
-          <a:p>
+              <a:t> Ruby code that may help you with your next </a:t>
+            </a:r>
+            <a:r>
+              <a:rPr lang="en-US" baseline="0" dirty="0" smtClean="0"/>
+              <a:t>project.</a:t>
+            </a:r>
             <a:endParaRPr lang="en-US" baseline="0" dirty="0" smtClean="0"/>
-          </a:p>
-          <a:p>
-            <a:r>
-              <a:rPr lang="en-US" baseline="0" dirty="0" smtClean="0"/>
-              <a:t>Also, I am willing to offer free CASS service for open data projects. I have licensed a CASS software package and can run your files for you if you are working on an open data project.</a:t>
-            </a:r>
           </a:p>
         </p:txBody>
       </p:sp>
@@ -1353,16 +1464,53 @@
             </a:r>
             <a:r>
               <a:rPr lang="en-US" baseline="0" dirty="0" smtClean="0"/>
-              <a:t> of us know Cliff. He is a great mail man, but he is no computer scientist. He doesn’t know about depth-first searches, breadth-first searches, or shortest-path algorithms. Although he can always find the shortest path to his next beer.</a:t>
-            </a:r>
-          </a:p>
-          <a:p>
+              <a:t> of us know Cliff. He is a great mail man, but he is no computer scientist. He doesn’t know about depth-first searches, breadth-first searches, or shortest-path algorithms. Although he can always find the shortest path to his next beer</a:t>
+            </a:r>
+            <a:r>
+              <a:rPr lang="en-US" baseline="0" dirty="0" smtClean="0"/>
+              <a:t>. (I just said beer. Drink ‘</a:t>
+            </a:r>
+            <a:r>
+              <a:rPr lang="en-US" baseline="0" dirty="0" err="1" smtClean="0"/>
+              <a:t>em</a:t>
+            </a:r>
+            <a:r>
+              <a:rPr lang="en-US" baseline="0" dirty="0" smtClean="0"/>
+              <a:t> if you’ve got ‘</a:t>
+            </a:r>
+            <a:r>
+              <a:rPr lang="en-US" baseline="0" dirty="0" err="1" smtClean="0"/>
+              <a:t>em</a:t>
+            </a:r>
+            <a:r>
+              <a:rPr lang="en-US" baseline="0" dirty="0" smtClean="0"/>
+              <a:t>).</a:t>
+            </a:r>
             <a:endParaRPr lang="en-US" baseline="0" dirty="0" smtClean="0"/>
           </a:p>
           <a:p>
-            <a:r>
-              <a:rPr lang="en-US" baseline="0" dirty="0" smtClean="0"/>
-              <a:t>Somehow, he delivers the mail reliably every day. Fortunately, Cliff does work with some computer scientists and they help Cliff with this…</a:t>
+            <a:endParaRPr lang="en-US" baseline="0" dirty="0" smtClean="0"/>
+          </a:p>
+          <a:p>
+            <a:r>
+              <a:rPr lang="en-US" baseline="0" dirty="0" smtClean="0"/>
+              <a:t>Yet, </a:t>
+            </a:r>
+            <a:r>
+              <a:rPr lang="en-US" baseline="0" dirty="0" smtClean="0"/>
+              <a:t>he </a:t>
+            </a:r>
+            <a:r>
+              <a:rPr lang="en-US" baseline="0" dirty="0" smtClean="0"/>
+              <a:t>somehow delivers </a:t>
+            </a:r>
+            <a:r>
+              <a:rPr lang="en-US" baseline="0" dirty="0" smtClean="0"/>
+              <a:t>the mail reliably every day. Fortunately, Cliff does work with some computer scientists and they </a:t>
+            </a:r>
+            <a:r>
+              <a:rPr lang="en-US" baseline="0" dirty="0" smtClean="0"/>
+              <a:t>created a tool to help Cliff…</a:t>
             </a:r>
             <a:endParaRPr lang="en-US" dirty="0"/>
           </a:p>
@@ -1467,7 +1615,11 @@
             </a:pPr>
             <a:r>
               <a:rPr lang="en-US" dirty="0" smtClean="0"/>
-              <a:t>A postal</a:t>
+              <a:t>It is this. A postal bar code. A </a:t>
+            </a:r>
+            <a:r>
+              <a:rPr lang="en-US" dirty="0" smtClean="0"/>
+              <a:t>postal</a:t>
             </a:r>
             <a:r>
               <a:rPr lang="en-US" baseline="0" dirty="0" smtClean="0"/>
@@ -1475,25 +1627,20 @@
             </a:r>
             <a:r>
               <a:rPr lang="en-US" dirty="0" smtClean="0"/>
-              <a:t>bar </a:t>
+              <a:t>bar code</a:t>
+            </a:r>
+            <a:r>
+              <a:rPr lang="en-US" baseline="0" dirty="0" smtClean="0"/>
+              <a:t> appears on every piece of mail delivered in the US</a:t>
+            </a:r>
+            <a:r>
+              <a:rPr lang="en-US" baseline="0" dirty="0" smtClean="0"/>
+              <a:t>. The barcode contains information related to the zip code and delivery point.</a:t>
             </a:r>
             <a:r>
               <a:rPr lang="en-US" dirty="0" smtClean="0"/>
-              <a:t>code</a:t>
-            </a:r>
-            <a:r>
-              <a:rPr lang="en-US" baseline="0" dirty="0" smtClean="0"/>
               <a:t> </a:t>
             </a:r>
-            <a:r>
-              <a:rPr lang="en-US" baseline="0" dirty="0" smtClean="0"/>
-              <a:t>appears </a:t>
-            </a:r>
-            <a:r>
-              <a:rPr lang="en-US" baseline="0" dirty="0" smtClean="0"/>
-              <a:t>on every piece of mail delivered in the US.</a:t>
-            </a:r>
-            <a:endParaRPr lang="en-US" dirty="0" smtClean="0"/>
           </a:p>
           <a:p>
             <a:pPr marL="0" marR="0" indent="0" algn="l" defTabSz="457200" rtl="0" eaLnBrk="1" fontAlgn="auto" latinLnBrk="0" hangingPunct="1">
@@ -1535,23 +1682,88 @@
             </a:pPr>
             <a:r>
               <a:rPr lang="en-US" dirty="0" smtClean="0"/>
-              <a:t>Mr. ZIP promoted the use of ZIP codes for the USPS during the 1960s and 1970s.</a:t>
-            </a:r>
-            <a:r>
-              <a:rPr lang="en-US" baseline="0" dirty="0" smtClean="0"/>
-              <a:t> </a:t>
-            </a:r>
+              <a:t>The ZIP</a:t>
+            </a:r>
+            <a:r>
+              <a:rPr lang="en-US" baseline="0" dirty="0" smtClean="0"/>
+              <a:t> code was introduced in the US in 1963 and the ZIP +4 was introduced in the 1980s.</a:t>
+            </a:r>
+            <a:endParaRPr lang="en-US" dirty="0" smtClean="0"/>
+          </a:p>
+          <a:p>
+            <a:pPr marL="0" marR="0" indent="0" algn="l" defTabSz="457200" rtl="0" eaLnBrk="1" fontAlgn="auto" latinLnBrk="0" hangingPunct="1">
+              <a:lnSpc>
+                <a:spcPct val="100000"/>
+              </a:lnSpc>
+              <a:spcBef>
+                <a:spcPts val="0"/>
+              </a:spcBef>
+              <a:spcAft>
+                <a:spcPts val="0"/>
+              </a:spcAft>
+              <a:buClrTx/>
+              <a:buSzTx/>
+              <a:buFontTx/>
+              <a:buNone/>
+              <a:tabLst/>
+              <a:defRPr/>
+            </a:pPr>
+            <a:endParaRPr lang="en-US" dirty="0" smtClean="0"/>
+          </a:p>
+          <a:p>
+            <a:pPr marL="0" marR="0" indent="0" algn="l" defTabSz="457200" rtl="0" eaLnBrk="1" fontAlgn="auto" latinLnBrk="0" hangingPunct="1">
+              <a:lnSpc>
+                <a:spcPct val="100000"/>
+              </a:lnSpc>
+              <a:spcBef>
+                <a:spcPts val="0"/>
+              </a:spcBef>
+              <a:spcAft>
+                <a:spcPts val="0"/>
+              </a:spcAft>
+              <a:buClrTx/>
+              <a:buSzTx/>
+              <a:buFontTx/>
+              <a:buNone/>
+              <a:tabLst/>
+              <a:defRPr/>
+            </a:pPr>
             <a:r>
               <a:rPr lang="en-US" dirty="0" smtClean="0"/>
-              <a:t>The ZIP</a:t>
-            </a:r>
-            <a:r>
-              <a:rPr lang="en-US" baseline="0" dirty="0" smtClean="0"/>
-              <a:t> code was introduced in the US in 1963 and the ZIP +4 was introduced in the 1980s.</a:t>
-            </a:r>
-            <a:endParaRPr lang="en-US" dirty="0" smtClean="0"/>
-          </a:p>
-          <a:p>
+              <a:t>Mr. ZIP promoted the use of ZIP codes for the </a:t>
+            </a:r>
+            <a:r>
+              <a:rPr lang="en-US" dirty="0" smtClean="0"/>
+              <a:t>post office during </a:t>
+            </a:r>
+            <a:r>
+              <a:rPr lang="en-US" dirty="0" smtClean="0"/>
+              <a:t>the 1960s and 1970s</a:t>
+            </a:r>
+            <a:r>
+              <a:rPr lang="en-US" dirty="0" smtClean="0"/>
+              <a:t>.</a:t>
+            </a:r>
+            <a:endParaRPr lang="en-US" baseline="0" dirty="0" smtClean="0"/>
+          </a:p>
+          <a:p>
+            <a:pPr marL="0" marR="0" indent="0" algn="l" defTabSz="457200" rtl="0" eaLnBrk="1" fontAlgn="auto" latinLnBrk="0" hangingPunct="1">
+              <a:lnSpc>
+                <a:spcPct val="100000"/>
+              </a:lnSpc>
+              <a:spcBef>
+                <a:spcPts val="0"/>
+              </a:spcBef>
+              <a:spcAft>
+                <a:spcPts val="0"/>
+              </a:spcAft>
+              <a:buClrTx/>
+              <a:buSzTx/>
+              <a:buFontTx/>
+              <a:buNone/>
+              <a:tabLst/>
+              <a:defRPr/>
+            </a:pPr>
             <a:endParaRPr lang="en-US" dirty="0" smtClean="0"/>
           </a:p>
           <a:p>
@@ -1573,19 +1785,19 @@
             </a:r>
             <a:r>
               <a:rPr lang="en-US" baseline="0" dirty="0" smtClean="0"/>
-              <a:t>is </a:t>
+              <a:t>represents </a:t>
             </a:r>
             <a:r>
               <a:rPr lang="en-US" dirty="0" smtClean="0"/>
-              <a:t>an 11 digit barcode, containing the ZIP Code, ZIP+4 Code, and the delivery point code. Versions</a:t>
-            </a:r>
-            <a:r>
-              <a:rPr lang="en-US" baseline="0" dirty="0" smtClean="0"/>
-              <a:t> of this bar code have been used for decades</a:t>
-            </a:r>
-            <a:r>
-              <a:rPr lang="en-US" baseline="0" dirty="0" smtClean="0"/>
-              <a:t>. There is also a new Intelligent Mail Bar Code that contains additional information about the mailer and the mail piece.</a:t>
+              <a:t>an </a:t>
+            </a:r>
+            <a:r>
+              <a:rPr lang="en-US" dirty="0" smtClean="0"/>
+              <a:t>11 digit barcode, containing the ZIP Code, ZIP+4 Code, and the delivery point code. Versions</a:t>
+            </a:r>
+            <a:r>
+              <a:rPr lang="en-US" baseline="0" dirty="0" smtClean="0"/>
+              <a:t> of this bar code have been used for decades. There is also a new Intelligent Mail Bar Code that contains additional information about the mailer and the mail piece.</a:t>
             </a:r>
             <a:endParaRPr lang="en-US" dirty="0" smtClean="0"/>
           </a:p>
@@ -1595,31 +1807,11 @@
           <a:p>
             <a:r>
               <a:rPr lang="en-US" dirty="0" smtClean="0"/>
-              <a:t>It is the information </a:t>
-            </a:r>
-            <a:r>
-              <a:rPr lang="en-US" dirty="0" smtClean="0"/>
-              <a:t>contained</a:t>
-            </a:r>
-            <a:r>
-              <a:rPr lang="en-US" baseline="0" dirty="0" smtClean="0"/>
-              <a:t> in the bar code </a:t>
-            </a:r>
-            <a:r>
-              <a:rPr lang="en-US" baseline="0" dirty="0" smtClean="0"/>
-              <a:t>that helps </a:t>
-            </a:r>
-            <a:r>
-              <a:rPr lang="en-US" baseline="0" dirty="0" smtClean="0"/>
-              <a:t>Cliff deliver the mail. It is also key to understand the bar code to efficiently analyze </a:t>
-            </a:r>
-            <a:r>
-              <a:rPr lang="en-US" baseline="0" dirty="0" smtClean="0"/>
-              <a:t>and process street </a:t>
-            </a:r>
-            <a:r>
-              <a:rPr lang="en-US" baseline="0" dirty="0" smtClean="0"/>
-              <a:t>addresses.</a:t>
+              <a:t>It is the information contained</a:t>
+            </a:r>
+            <a:r>
+              <a:rPr lang="en-US" baseline="0" dirty="0" smtClean="0"/>
+              <a:t> in the bar code that helps Cliff deliver the mail. It is also key to understand the bar code to efficiently analyze and process street addresses.</a:t>
             </a:r>
           </a:p>
           <a:p>
@@ -1628,13 +1820,24 @@
           <a:p>
             <a:r>
               <a:rPr lang="en-US" baseline="0" dirty="0" smtClean="0"/>
-              <a:t>Let’s look at how Zip Codes work</a:t>
+              <a:t>Let’s </a:t>
+            </a:r>
+            <a:r>
+              <a:rPr lang="en-US" baseline="0" dirty="0" smtClean="0"/>
+              <a:t>see </a:t>
+            </a:r>
+            <a:r>
+              <a:rPr lang="en-US" baseline="0" dirty="0" smtClean="0"/>
+              <a:t>how Zip Codes </a:t>
+            </a:r>
+            <a:r>
+              <a:rPr lang="en-US" baseline="0" dirty="0" smtClean="0"/>
+              <a:t>and bar codes work</a:t>
             </a:r>
             <a:r>
               <a:rPr lang="en-US" baseline="0" dirty="0" smtClean="0"/>
               <a:t>…</a:t>
             </a:r>
-            <a:endParaRPr lang="en-US" baseline="0" dirty="0" smtClean="0"/>
           </a:p>
         </p:txBody>
       </p:sp>
@@ -1724,19 +1927,7 @@
             </a:r>
             <a:r>
               <a:rPr lang="en-US" baseline="0" dirty="0" smtClean="0"/>
-              <a:t> the first 2 or 3 digits of a zip code. </a:t>
-            </a:r>
-            <a:r>
-              <a:rPr lang="en-US" baseline="0" dirty="0" smtClean="0"/>
-              <a:t>Here </a:t>
-            </a:r>
-            <a:r>
-              <a:rPr lang="en-US" baseline="0" dirty="0" smtClean="0"/>
-              <a:t>we can see that Colorado zip codes all start with 80 or 81</a:t>
-            </a:r>
-            <a:r>
-              <a:rPr lang="en-US" baseline="0" dirty="0" smtClean="0"/>
-              <a:t>.</a:t>
+              <a:t> the first 2 or 3 digits of a zip code. Here we can see that Colorado zip codes all start with 80 or 81.</a:t>
             </a:r>
           </a:p>
           <a:p>
@@ -1745,7 +1936,11 @@
           <a:p>
             <a:r>
               <a:rPr lang="en-US" baseline="0" dirty="0" smtClean="0"/>
-              <a:t>The first 3 digits refer to a Sectional Control Facility (SCF) which will be contained within a zip code zone.</a:t>
+              <a:t>The first 3 digits refer to a Sectional Control Facility (SCF) which will be contained within a zip code zone</a:t>
+            </a:r>
+            <a:r>
+              <a:rPr lang="en-US" baseline="0" dirty="0" smtClean="0"/>
+              <a:t>. So, ‘803’ will refer to a building that services all of the zip codes starting with 803.</a:t>
             </a:r>
             <a:endParaRPr lang="en-US" baseline="0" dirty="0" smtClean="0"/>
           </a:p>
@@ -1843,11 +2038,23 @@
             </a:r>
             <a:r>
               <a:rPr lang="en-US" baseline="0" dirty="0" smtClean="0"/>
-              <a:t> an individual ZIP code in Boulder</a:t>
-            </a:r>
-            <a:r>
-              <a:rPr lang="en-US" baseline="0" dirty="0" smtClean="0"/>
-              <a:t>. You can see that CU has been excluded from 80301. CU has its own zip codes.</a:t>
+              <a:t> an individual ZIP code in Boulder. You can </a:t>
+            </a:r>
+            <a:r>
+              <a:rPr lang="en-US" baseline="0" dirty="0" smtClean="0"/>
+              <a:t>even see </a:t>
+            </a:r>
+            <a:r>
+              <a:rPr lang="en-US" baseline="0" dirty="0" smtClean="0"/>
+              <a:t>that CU has been excluded from 80301. CU </a:t>
+            </a:r>
+            <a:r>
+              <a:rPr lang="en-US" baseline="0" dirty="0" smtClean="0"/>
+              <a:t>is large enough to have </a:t>
+            </a:r>
+            <a:r>
+              <a:rPr lang="en-US" baseline="0" dirty="0" smtClean="0"/>
+              <a:t>its own zip codes.</a:t>
             </a:r>
             <a:endParaRPr lang="en-US" dirty="0"/>
           </a:p>
@@ -1934,12 +2141,28 @@
           <a:lstStyle/>
           <a:p>
             <a:r>
+              <a:rPr lang="en-US" baseline="0" dirty="0" smtClean="0"/>
+              <a:t>9-digit ZIP codes</a:t>
+            </a:r>
+            <a:r>
               <a:rPr lang="en-US" dirty="0" smtClean="0"/>
-              <a:t>Zip+4 codes were assigned in the 1980s. Within a ZIP code, the USPS </a:t>
+              <a:t> </a:t>
             </a:r>
             <a:r>
               <a:rPr lang="en-US" dirty="0" smtClean="0"/>
-              <a:t>has assign</a:t>
+              <a:t>were assigned in the </a:t>
+            </a:r>
+            <a:r>
+              <a:rPr lang="en-US" dirty="0" smtClean="0"/>
+              <a:t>1980s</a:t>
+            </a:r>
+            <a:r>
+              <a:rPr lang="en-US" baseline="0" dirty="0" smtClean="0"/>
+              <a:t> by adding 4 digits to the ZIP.</a:t>
+            </a:r>
+            <a:r>
+              <a:rPr lang="en-US" dirty="0" smtClean="0"/>
+              <a:t> The post office has assigned</a:t>
             </a:r>
             <a:r>
               <a:rPr lang="en-US" baseline="0" dirty="0" smtClean="0"/>
@@ -1947,11 +2170,15 @@
             </a:r>
             <a:r>
               <a:rPr lang="en-US" baseline="0" dirty="0" smtClean="0"/>
-              <a:t>a ZIP+4 code to small sections within the ZIP code. Typically, a +4 code is assigned to each side of the street on a particular block. So, in this photo, the homes on the left would share a 9-digit zip and the homes on the right would share a different 9-digit zip</a:t>
-            </a:r>
-            <a:r>
-              <a:rPr lang="en-US" baseline="0" dirty="0" smtClean="0"/>
-              <a:t>. There can be thousands of +4 codes within a single zip code.</a:t>
+              <a:t>a ZIP+4 code to small sections within </a:t>
+            </a:r>
+            <a:r>
+              <a:rPr lang="en-US" baseline="0" dirty="0" smtClean="0"/>
+              <a:t>a ZIP </a:t>
+            </a:r>
+            <a:r>
+              <a:rPr lang="en-US" baseline="0" dirty="0" smtClean="0"/>
+              <a:t>code. Typically, a +4 code is assigned to each side of the street on a particular block. So, in this photo, the homes on the left would share a 9-digit zip and the homes on the right would share a different 9-digit zip. There can be thousands of +4 codes within a single zip code.</a:t>
             </a:r>
             <a:endParaRPr lang="en-US" dirty="0"/>
           </a:p>
@@ -2051,15 +2278,23 @@
             </a:r>
             <a:r>
               <a:rPr lang="en-US" baseline="0" dirty="0" smtClean="0"/>
-              <a:t> buildings, the USPS may assign different +4 codes for each floor. So, the residents on a </a:t>
-            </a:r>
-            <a:r>
-              <a:rPr lang="en-US" baseline="0" dirty="0" smtClean="0"/>
-              <a:t>given floor </a:t>
-            </a:r>
-            <a:r>
-              <a:rPr lang="en-US" baseline="0" dirty="0" smtClean="0"/>
-              <a:t>will usually share the same 9-digit zip code.</a:t>
+              <a:t> buildings, the </a:t>
+            </a:r>
+            <a:r>
+              <a:rPr lang="en-US" baseline="0" dirty="0" smtClean="0"/>
+              <a:t>post office may </a:t>
+            </a:r>
+            <a:r>
+              <a:rPr lang="en-US" baseline="0" dirty="0" smtClean="0"/>
+              <a:t>assign different +4 codes for each floor. So, the residents on a given floor </a:t>
+            </a:r>
+            <a:r>
+              <a:rPr lang="en-US" baseline="0" dirty="0" smtClean="0"/>
+              <a:t>may share </a:t>
+            </a:r>
+            <a:r>
+              <a:rPr lang="en-US" baseline="0" dirty="0" smtClean="0"/>
+              <a:t>the same 9-digit zip code.</a:t>
             </a:r>
             <a:endParaRPr lang="en-US" dirty="0"/>
           </a:p>
@@ -2155,19 +2390,19 @@
             </a:r>
             <a:r>
               <a:rPr lang="en-US" dirty="0" smtClean="0"/>
-              <a:t>to </a:t>
-            </a:r>
-            <a:r>
-              <a:rPr lang="en-US" dirty="0" smtClean="0"/>
-              <a:t>complete</a:t>
-            </a:r>
-            <a:r>
-              <a:rPr lang="en-US" baseline="0" dirty="0" smtClean="0"/>
-              <a:t> the bar code, the USPS will add the last two digits of the house number to the Zip+4 code for a total of eleven digits. </a:t>
-            </a:r>
-            <a:r>
-              <a:rPr lang="en-US" baseline="0" dirty="0" smtClean="0"/>
-              <a:t>If this is 123 Main Street, the delivery point code will be ‘23’.</a:t>
+              <a:t>to complete</a:t>
+            </a:r>
+            <a:r>
+              <a:rPr lang="en-US" baseline="0" dirty="0" smtClean="0"/>
+              <a:t> the bar code, the </a:t>
+            </a:r>
+            <a:r>
+              <a:rPr lang="en-US" baseline="0" dirty="0" smtClean="0"/>
+              <a:t>post office will </a:t>
+            </a:r>
+            <a:r>
+              <a:rPr lang="en-US" baseline="0" dirty="0" smtClean="0"/>
+              <a:t>add the last two digits of the house number to the Zip+4 code for a total of eleven digits. If this is 123 Main Street, the delivery point code will be ‘23’.</a:t>
             </a:r>
           </a:p>
           <a:p>
@@ -2176,11 +2411,7 @@
           <a:p>
             <a:r>
               <a:rPr lang="en-US" baseline="0" dirty="0" smtClean="0"/>
-              <a:t>In </a:t>
-            </a:r>
-            <a:r>
-              <a:rPr lang="en-US" baseline="0" dirty="0" smtClean="0"/>
-              <a:t>a </a:t>
+              <a:t>In a </a:t>
             </a:r>
             <a:r>
               <a:rPr lang="en-US" baseline="0" dirty="0" err="1" smtClean="0"/>
@@ -2192,29 +2423,19 @@
             </a:r>
             <a:r>
               <a:rPr lang="en-US" baseline="0" dirty="0" smtClean="0"/>
-              <a:t>be the same for all delivery </a:t>
-            </a:r>
-            <a:r>
-              <a:rPr lang="en-US" baseline="0" dirty="0" smtClean="0"/>
-              <a:t>points </a:t>
-            </a:r>
-            <a:r>
-              <a:rPr lang="en-US" baseline="0" dirty="0" smtClean="0"/>
-              <a:t>in the building and </a:t>
-            </a:r>
-            <a:r>
-              <a:rPr lang="en-US" baseline="0" dirty="0" smtClean="0"/>
-              <a:t>unit number is required for final delivery.</a:t>
+              <a:t>usually be </a:t>
+            </a:r>
+            <a:r>
+              <a:rPr lang="en-US" baseline="0" dirty="0" smtClean="0"/>
+              <a:t>the same for all delivery points in the building and unit number is required for final delivery</a:t>
+            </a:r>
+            <a:r>
+              <a:rPr lang="en-US" baseline="0" dirty="0" smtClean="0"/>
+              <a:t>.</a:t>
             </a:r>
           </a:p>
           <a:p>
             <a:endParaRPr lang="en-US" baseline="0" dirty="0" smtClean="0"/>
-          </a:p>
-          <a:p>
-            <a:r>
-              <a:rPr lang="en-US" baseline="0" dirty="0" smtClean="0"/>
-              <a:t>The USPS also includes a check digit of the sum modulo 10 of the bar code digits. This check digit is not important for our story.</a:t>
-            </a:r>
           </a:p>
         </p:txBody>
       </p:sp>
@@ -2435,7 +2656,7 @@
           <a:p>
             <a:fld id="{E0B738E2-DEAE-4F46-B019-00598B3CC598}" type="datetimeFigureOut">
               <a:rPr lang="en-US" smtClean="0"/>
-              <a:t>1/4/14</a:t>
+              <a:t>1/6/14</a:t>
             </a:fld>
             <a:endParaRPr lang="en-US"/>
           </a:p>
@@ -2605,7 +2826,7 @@
           <a:p>
             <a:fld id="{E0B738E2-DEAE-4F46-B019-00598B3CC598}" type="datetimeFigureOut">
               <a:rPr lang="en-US" smtClean="0"/>
-              <a:t>1/4/14</a:t>
+              <a:t>1/6/14</a:t>
             </a:fld>
             <a:endParaRPr lang="en-US"/>
           </a:p>
@@ -2785,7 +3006,7 @@
           <a:p>
             <a:fld id="{E0B738E2-DEAE-4F46-B019-00598B3CC598}" type="datetimeFigureOut">
               <a:rPr lang="en-US" smtClean="0"/>
-              <a:t>1/4/14</a:t>
+              <a:t>1/6/14</a:t>
             </a:fld>
             <a:endParaRPr lang="en-US"/>
           </a:p>
@@ -2955,7 +3176,7 @@
           <a:p>
             <a:fld id="{E0B738E2-DEAE-4F46-B019-00598B3CC598}" type="datetimeFigureOut">
               <a:rPr lang="en-US" smtClean="0"/>
-              <a:t>1/4/14</a:t>
+              <a:t>1/6/14</a:t>
             </a:fld>
             <a:endParaRPr lang="en-US"/>
           </a:p>
@@ -3201,7 +3422,7 @@
           <a:p>
             <a:fld id="{E0B738E2-DEAE-4F46-B019-00598B3CC598}" type="datetimeFigureOut">
               <a:rPr lang="en-US" smtClean="0"/>
-              <a:t>1/4/14</a:t>
+              <a:t>1/6/14</a:t>
             </a:fld>
             <a:endParaRPr lang="en-US"/>
           </a:p>
@@ -3489,7 +3710,7 @@
           <a:p>
             <a:fld id="{E0B738E2-DEAE-4F46-B019-00598B3CC598}" type="datetimeFigureOut">
               <a:rPr lang="en-US" smtClean="0"/>
-              <a:t>1/4/14</a:t>
+              <a:t>1/6/14</a:t>
             </a:fld>
             <a:endParaRPr lang="en-US"/>
           </a:p>
@@ -3911,7 +4132,7 @@
           <a:p>
             <a:fld id="{E0B738E2-DEAE-4F46-B019-00598B3CC598}" type="datetimeFigureOut">
               <a:rPr lang="en-US" smtClean="0"/>
-              <a:t>1/4/14</a:t>
+              <a:t>1/6/14</a:t>
             </a:fld>
             <a:endParaRPr lang="en-US"/>
           </a:p>
@@ -4029,7 +4250,7 @@
           <a:p>
             <a:fld id="{E0B738E2-DEAE-4F46-B019-00598B3CC598}" type="datetimeFigureOut">
               <a:rPr lang="en-US" smtClean="0"/>
-              <a:t>1/4/14</a:t>
+              <a:t>1/6/14</a:t>
             </a:fld>
             <a:endParaRPr lang="en-US"/>
           </a:p>
@@ -4124,7 +4345,7 @@
           <a:p>
             <a:fld id="{E0B738E2-DEAE-4F46-B019-00598B3CC598}" type="datetimeFigureOut">
               <a:rPr lang="en-US" smtClean="0"/>
-              <a:t>1/4/14</a:t>
+              <a:t>1/6/14</a:t>
             </a:fld>
             <a:endParaRPr lang="en-US"/>
           </a:p>
@@ -4401,7 +4622,7 @@
           <a:p>
             <a:fld id="{E0B738E2-DEAE-4F46-B019-00598B3CC598}" type="datetimeFigureOut">
               <a:rPr lang="en-US" smtClean="0"/>
-              <a:t>1/4/14</a:t>
+              <a:t>1/6/14</a:t>
             </a:fld>
             <a:endParaRPr lang="en-US"/>
           </a:p>
@@ -4654,7 +4875,7 @@
           <a:p>
             <a:fld id="{E0B738E2-DEAE-4F46-B019-00598B3CC598}" type="datetimeFigureOut">
               <a:rPr lang="en-US" smtClean="0"/>
-              <a:t>1/4/14</a:t>
+              <a:t>1/6/14</a:t>
             </a:fld>
             <a:endParaRPr lang="en-US"/>
           </a:p>
@@ -4867,7 +5088,7 @@
           <a:p>
             <a:fld id="{E0B738E2-DEAE-4F46-B019-00598B3CC598}" type="datetimeFigureOut">
               <a:rPr lang="en-US" smtClean="0"/>
-              <a:t>1/4/14</a:t>
+              <a:t>1/6/14</a:t>
             </a:fld>
             <a:endParaRPr lang="en-US"/>
           </a:p>
@@ -5275,7 +5496,12 @@
             <p:ph type="subTitle" idx="1"/>
           </p:nvPr>
         </p:nvSpPr>
-        <p:spPr/>
+        <p:spPr>
+          <a:xfrm>
+            <a:off x="1371600" y="3648747"/>
+            <a:ext cx="6400800" cy="2391052"/>
+          </a:xfrm>
+        </p:spPr>
         <p:txBody>
           <a:bodyPr>
             <a:normAutofit fontScale="70000" lnSpcReduction="20000"/>
@@ -5327,19 +5553,26 @@
           <a:p>
             <a:r>
               <a:rPr lang="en-US" dirty="0" smtClean="0"/>
-              <a:t>LinkedIn: http://</a:t>
-            </a:r>
-            <a:r>
-              <a:rPr lang="en-US" dirty="0" err="1" smtClean="0"/>
-              <a:t>www.linkedin.com</a:t>
-            </a:r>
+              <a:t>LinkedIn: </a:t>
+            </a:r>
+            <a:r>
+              <a:rPr lang="en-US" dirty="0" smtClean="0">
+                <a:hlinkClick r:id="rId3"/>
+              </a:rPr>
+              <a:t>http://www.linkedin.com/in/</a:t>
+            </a:r>
+            <a:r>
+              <a:rPr lang="en-US" dirty="0" smtClean="0">
+                <a:hlinkClick r:id="rId3"/>
+              </a:rPr>
+              <a:t>brianklong</a:t>
+            </a:r>
+            <a:endParaRPr lang="en-US" dirty="0" smtClean="0"/>
+          </a:p>
+          <a:p>
             <a:r>
               <a:rPr lang="en-US" dirty="0" smtClean="0"/>
-              <a:t>/in/</a:t>
-            </a:r>
-            <a:r>
-              <a:rPr lang="en-US" dirty="0" err="1" smtClean="0"/>
-              <a:t>brianklong</a:t>
+              <a:t>#BOCC</a:t>
             </a:r>
             <a:endParaRPr lang="en-US" dirty="0" smtClean="0"/>
           </a:p>
@@ -5452,11 +5685,7 @@
           <a:p>
             <a:r>
               <a:rPr lang="en-US" sz="3200" dirty="0" smtClean="0"/>
-              <a:t>33701-4313</a:t>
-            </a:r>
-            <a:r>
-              <a:rPr lang="en-US" sz="3200" dirty="0" smtClean="0"/>
-              <a:t>-00</a:t>
+              <a:t>33701-4313-00</a:t>
             </a:r>
             <a:endParaRPr lang="en-US" sz="3200" dirty="0"/>
           </a:p>
@@ -5674,7 +5903,7 @@
         </p:nvSpPr>
         <p:spPr>
           <a:xfrm>
-            <a:off x="457200" y="4005766"/>
+            <a:off x="312650" y="4098682"/>
             <a:ext cx="8229600" cy="2124153"/>
           </a:xfrm>
         </p:spPr>
@@ -5686,27 +5915,14 @@
           <a:p>
             <a:r>
               <a:rPr lang="en-US" dirty="0" smtClean="0"/>
-              <a:t>Coding Accuracy Support Software (CASS</a:t>
-            </a:r>
+              <a:t>Coding Accuracy Support Software (CASS)</a:t>
+            </a:r>
+          </a:p>
+          <a:p>
             <a:r>
               <a:rPr lang="en-US" dirty="0" smtClean="0"/>
-              <a:t>)</a:t>
-            </a:r>
-          </a:p>
-          <a:p>
-            <a:r>
-              <a:rPr lang="en-US" dirty="0" smtClean="0"/>
-              <a:t>A </a:t>
-            </a:r>
-            <a:r>
-              <a:rPr lang="en-US" dirty="0" smtClean="0"/>
-              <a:t>list of CASS certified software vendors can be obtained from the </a:t>
-            </a:r>
-            <a:r>
-              <a:rPr lang="en-US" dirty="0" smtClean="0"/>
-              <a:t>USPS or by searching online.</a:t>
-            </a:r>
-            <a:endParaRPr lang="en-US" dirty="0" smtClean="0"/>
+              <a:t>A list of CASS certified software vendors can be obtained from the USPS or by searching online.</a:t>
+            </a:r>
           </a:p>
         </p:txBody>
       </p:sp>
@@ -5749,7 +5965,7 @@
         <p:spPr>
           <a:xfrm>
             <a:off x="647255" y="1585190"/>
-            <a:ext cx="7751307" cy="2339102"/>
+            <a:ext cx="7634422" cy="2831544"/>
           </a:xfrm>
           <a:prstGeom prst="rect">
             <a:avLst/>
@@ -5866,8 +6082,37 @@
                   </a:schemeClr>
                 </a:solidFill>
               </a:rPr>
-              <a:t>1 Microsoft Way, Redmond, WA 98052-8300</a:t>
-            </a:r>
+              <a:t>1 Microsoft Way, Redmond, WA 98052-</a:t>
+            </a:r>
+            <a:r>
+              <a:rPr lang="en-US" sz="3200" dirty="0" smtClean="0">
+                <a:solidFill>
+                  <a:schemeClr val="bg1">
+                    <a:lumMod val="50000"/>
+                  </a:schemeClr>
+                </a:solidFill>
+              </a:rPr>
+              <a:t>8300</a:t>
+            </a:r>
+          </a:p>
+          <a:p>
+            <a:r>
+              <a:rPr lang="en-US" sz="3200" dirty="0" smtClean="0">
+                <a:solidFill>
+                  <a:schemeClr val="bg1">
+                    <a:lumMod val="50000"/>
+                  </a:schemeClr>
+                </a:solidFill>
+              </a:rPr>
+              <a:t>[98052830099]</a:t>
+            </a:r>
+            <a:endParaRPr lang="en-US" sz="3200" dirty="0">
+              <a:solidFill>
+                <a:schemeClr val="bg1">
+                  <a:lumMod val="50000"/>
+                </a:schemeClr>
+              </a:solidFill>
+            </a:endParaRPr>
           </a:p>
           <a:p>
             <a:endParaRPr lang="en-US" dirty="0"/>
@@ -5976,25 +6221,35 @@
         <p:spPr/>
         <p:txBody>
           <a:bodyPr>
-            <a:normAutofit fontScale="92500"/>
+            <a:normAutofit lnSpcReduction="10000"/>
           </a:bodyPr>
           <a:lstStyle/>
           <a:p>
             <a:r>
               <a:rPr lang="en-US" dirty="0" smtClean="0"/>
+              <a:t>Street addresses are messy data.</a:t>
+            </a:r>
+          </a:p>
+          <a:p>
+            <a:r>
+              <a:rPr lang="en-US" dirty="0"/>
               <a:t>Use third party CASS software for data hygiene.</a:t>
             </a:r>
           </a:p>
           <a:p>
             <a:r>
+              <a:rPr lang="en-US" dirty="0"/>
+              <a:t>Include standardized data &amp; bar code elements in your dataset.</a:t>
+            </a:r>
+          </a:p>
+          <a:p>
+            <a:r>
+              <a:rPr lang="en-US" smtClean="0"/>
+              <a:t>Create </a:t>
+            </a:r>
+            <a:r>
               <a:rPr lang="en-US" dirty="0" smtClean="0"/>
-              <a:t>Include standardized data &amp; bar code elements in your dataset.</a:t>
-            </a:r>
-          </a:p>
-          <a:p>
-            <a:r>
-              <a:rPr lang="en-US" dirty="0" smtClean="0"/>
-              <a:t>Create an indexed key using the bar code data.</a:t>
+              <a:t>an indexed key using the bar code data.</a:t>
             </a:r>
           </a:p>
           <a:p>
@@ -6006,16 +6261,17 @@
               <a:rPr lang="en-US" dirty="0" smtClean="0">
                 <a:hlinkClick r:id="rId3"/>
               </a:rPr>
-              <a:t>https://github.com/brianlong/street_address</a:t>
-            </a:r>
+              <a:t>https://github.com/brianlong/</a:t>
+            </a:r>
+            <a:r>
+              <a:rPr lang="en-US" dirty="0" smtClean="0">
+                <a:hlinkClick r:id="rId3"/>
+              </a:rPr>
+              <a:t>street_address</a:t>
+            </a:r>
+          </a:p>
+          <a:p>
             <a:endParaRPr lang="en-US" dirty="0" smtClean="0"/>
-          </a:p>
-          <a:p>
-            <a:r>
-              <a:rPr lang="en-US" dirty="0" smtClean="0"/>
-              <a:t>I will offer free CASS service for open data projects.</a:t>
-            </a:r>
-            <a:endParaRPr lang="en-US" dirty="0"/>
           </a:p>
         </p:txBody>
       </p:sp>
@@ -6109,6 +6365,40 @@
           </a:p>
         </p:txBody>
       </p:sp>
+      <p:sp>
+        <p:nvSpPr>
+          <p:cNvPr id="5" name="TextBox 4"/>
+          <p:cNvSpPr txBox="1"/>
+          <p:nvPr/>
+        </p:nvSpPr>
+        <p:spPr>
+          <a:xfrm>
+            <a:off x="1775885" y="5756831"/>
+            <a:ext cx="5375465" cy="369332"/>
+          </a:xfrm>
+          <a:prstGeom prst="rect">
+            <a:avLst/>
+          </a:prstGeom>
+          <a:noFill/>
+        </p:spPr>
+        <p:txBody>
+          <a:bodyPr wrap="none" rtlCol="0">
+            <a:spAutoFit/>
+          </a:bodyPr>
+          <a:lstStyle/>
+          <a:p>
+            <a:r>
+              <a:rPr lang="en-US" dirty="0" smtClean="0"/>
+              <a:t>P.S. I </a:t>
+            </a:r>
+            <a:r>
+              <a:rPr lang="en-US" dirty="0"/>
+              <a:t>will offer free CASS service for open data projects.</a:t>
+            </a:r>
+            <a:endParaRPr lang="en-US" dirty="0"/>
+          </a:p>
+        </p:txBody>
+      </p:sp>
     </p:spTree>
     <p:extLst>
       <p:ext uri="{BB962C8B-B14F-4D97-AF65-F5344CB8AC3E}">
@@ -6187,7 +6477,15 @@
           <a:p>
             <a:r>
               <a:rPr lang="en-US" sz="3000" dirty="0" smtClean="0"/>
-              <a:t>123 Main Street S, Schenectady, NY</a:t>
+              <a:t>123 </a:t>
+            </a:r>
+            <a:r>
+              <a:rPr lang="en-US" sz="3000" dirty="0" smtClean="0"/>
+              <a:t>S Main Street, </a:t>
+            </a:r>
+            <a:r>
+              <a:rPr lang="en-US" sz="3000" dirty="0" smtClean="0"/>
+              <a:t>Schenectady, NY</a:t>
             </a:r>
           </a:p>
           <a:p>
@@ -6199,7 +6497,15 @@
           <a:p>
             <a:r>
               <a:rPr lang="en-US" sz="3000" dirty="0" smtClean="0"/>
-              <a:t>123 Main Street South, Schenectady, NY 12345</a:t>
+              <a:t>123 </a:t>
+            </a:r>
+            <a:r>
+              <a:rPr lang="en-US" sz="3000" dirty="0" smtClean="0"/>
+              <a:t>South Main Street, </a:t>
+            </a:r>
+            <a:r>
+              <a:rPr lang="en-US" sz="3000" dirty="0" smtClean="0"/>
+              <a:t>Schenectady, NY 12345</a:t>
             </a:r>
           </a:p>
           <a:p>
@@ -6211,7 +6517,11 @@
           <a:p>
             <a:r>
               <a:rPr lang="en-US" sz="3000" dirty="0" smtClean="0"/>
-              <a:t>123 Main St S, </a:t>
+              <a:t>123 </a:t>
+            </a:r>
+            <a:r>
+              <a:rPr lang="en-US" sz="3000" dirty="0" smtClean="0"/>
+              <a:t>S Main St, </a:t>
             </a:r>
             <a:r>
               <a:rPr lang="en-US" sz="3000" dirty="0" err="1" smtClean="0"/>
@@ -6530,11 +6840,7 @@
           <a:p>
             <a:r>
               <a:rPr lang="en-US" dirty="0" smtClean="0"/>
-              <a:t>Postal </a:t>
-            </a:r>
-            <a:r>
-              <a:rPr lang="en-US" dirty="0" smtClean="0"/>
-              <a:t>Barcode</a:t>
+              <a:t>Postal Barcode</a:t>
             </a:r>
             <a:endParaRPr lang="en-US" dirty="0"/>
           </a:p>

--- a/presentations/street_addresses.pptx
+++ b/presentations/street_addresses.pptx
@@ -205,7 +205,7 @@
           <a:p>
             <a:fld id="{C8D24739-3BD9-BD41-ADC6-256603A819DE}" type="datetimeFigureOut">
               <a:rPr lang="en-US" smtClean="0"/>
-              <a:t>1/6/14</a:t>
+              <a:t>1/7/14</a:t>
             </a:fld>
             <a:endParaRPr lang="en-US"/>
           </a:p>
@@ -519,19 +519,7 @@
           <a:p>
             <a:r>
               <a:rPr lang="en-US" dirty="0" smtClean="0"/>
-              <a:t>Hi,</a:t>
-            </a:r>
-            <a:r>
-              <a:rPr lang="en-US" baseline="0" dirty="0" smtClean="0"/>
-              <a:t> </a:t>
-            </a:r>
-            <a:r>
-              <a:rPr lang="en-US" baseline="0" dirty="0" smtClean="0"/>
-              <a:t>I am </a:t>
-            </a:r>
-            <a:r>
-              <a:rPr lang="en-US" baseline="0" dirty="0" smtClean="0"/>
-              <a:t>Brian Long and the title of my talk today is “Working With Street Addresses” You can also find me at any of these popular hangouts.</a:t>
+              <a:t>Let’s talk about street addresses.</a:t>
             </a:r>
           </a:p>
           <a:p>
@@ -544,15 +532,28 @@
             </a:r>
             <a:r>
               <a:rPr lang="en-US" baseline="0" dirty="0" smtClean="0"/>
-              <a:t>advertisements and we </a:t>
+              <a:t>for-sale advertisements </a:t>
             </a:r>
             <a:r>
               <a:rPr lang="en-US" baseline="0" dirty="0" smtClean="0"/>
-              <a:t>process millions of street addresses each </a:t>
+              <a:t>and we process millions of street addresses each year. </a:t>
             </a:r>
             <a:r>
               <a:rPr lang="en-US" baseline="0" dirty="0" smtClean="0"/>
-              <a:t>year. And In doing this, we use a little trick to help with sorting, grouping, and searching street addresses. Today, I would like to share this trick with you.</a:t>
+              <a:t>Our incoming data is very dirty with plenty of typos, spelling errors, or incomplete addresses.</a:t>
+            </a:r>
+          </a:p>
+          <a:p>
+            <a:endParaRPr lang="en-US" baseline="0" dirty="0" smtClean="0"/>
+          </a:p>
+          <a:p>
+            <a:r>
+              <a:rPr lang="en-US" baseline="0" dirty="0" smtClean="0"/>
+              <a:t>Dealing with dirty data is difficult, but we </a:t>
+            </a:r>
+            <a:r>
+              <a:rPr lang="en-US" baseline="0" dirty="0" smtClean="0"/>
+              <a:t>use a little trick to help with sorting, grouping, and searching street addresses. Today, I would like to share this trick with you.</a:t>
             </a:r>
             <a:endParaRPr lang="en-US" dirty="0"/>
           </a:p>
@@ -653,15 +654,7 @@
           <a:p>
             <a:r>
               <a:rPr lang="en-US" baseline="0" dirty="0" smtClean="0"/>
-              <a:t>33701 </a:t>
-            </a:r>
-            <a:r>
-              <a:rPr lang="en-US" baseline="0" dirty="0" smtClean="0"/>
-              <a:t>is the ZIP code, 4313 is the +4 code, and 00 is the delivery point code</a:t>
-            </a:r>
-            <a:r>
-              <a:rPr lang="en-US" baseline="0" dirty="0" smtClean="0"/>
-              <a:t>.</a:t>
+              <a:t>33701 is the ZIP code, 4313 is the +4 code, and 00 is the delivery point code.</a:t>
             </a:r>
           </a:p>
           <a:p>
@@ -689,7 +682,6 @@
               <a:rPr lang="en-US" baseline="0" dirty="0" smtClean="0"/>
               <a:t>Inside the bar code, the post office also includes a check digit calculated with the sum modulo 10 of the bar code digits. This check digit is not important for our story. So I will ignore for the rest of this talk.</a:t>
             </a:r>
-            <a:endParaRPr lang="en-US" baseline="0" dirty="0" smtClean="0"/>
           </a:p>
           <a:p>
             <a:endParaRPr lang="en-US" baseline="0" dirty="0" smtClean="0"/>
@@ -714,37 +706,8 @@
           <a:p>
             <a:r>
               <a:rPr lang="en-US" baseline="0" dirty="0" smtClean="0"/>
-              <a:t>Thinking back to our friend </a:t>
-            </a:r>
-            <a:r>
-              <a:rPr lang="en-US" baseline="0" dirty="0" smtClean="0"/>
-              <a:t>Cliff, </a:t>
-            </a:r>
-            <a:r>
-              <a:rPr lang="en-US" baseline="0" dirty="0" smtClean="0"/>
-              <a:t>this is how he can deliver the mail so reliably. Every day, his mail is sorted into a walk sequence based on these codes. All he needs to do is </a:t>
-            </a:r>
-            <a:r>
-              <a:rPr lang="en-US" baseline="0" dirty="0" smtClean="0"/>
-              <a:t>pick up his mail for the day and follow </a:t>
-            </a:r>
-            <a:r>
-              <a:rPr lang="en-US" baseline="0" dirty="0" smtClean="0"/>
-              <a:t>the addresses in the </a:t>
-            </a:r>
-            <a:r>
-              <a:rPr lang="en-US" baseline="0" dirty="0" smtClean="0"/>
-              <a:t>order that </a:t>
-            </a:r>
-            <a:r>
-              <a:rPr lang="en-US" baseline="0" dirty="0" smtClean="0"/>
-              <a:t>they are </a:t>
-            </a:r>
-            <a:r>
-              <a:rPr lang="en-US" baseline="0" dirty="0" smtClean="0"/>
-              <a:t>sorted.</a:t>
-            </a:r>
-            <a:endParaRPr lang="en-US" baseline="0" dirty="0" smtClean="0"/>
+              <a:t>Thinking back to our friend Cliff, this is how he can deliver the mail so reliably. Every day, his mail is sorted into a walk sequence based on these codes. All he needs to do is pick up his mail for the day and follow the addresses in the order that they are sorted.</a:t>
+            </a:r>
           </a:p>
           <a:p>
             <a:endParaRPr lang="en-US" baseline="0" dirty="0" smtClean="0"/>
@@ -853,15 +816,7 @@
           <a:p>
             <a:r>
               <a:rPr lang="en-US" baseline="0" dirty="0" smtClean="0"/>
-              <a:t>Doesn’t it seem easier to work with this </a:t>
-            </a:r>
-            <a:r>
-              <a:rPr lang="en-US" baseline="0" dirty="0" smtClean="0"/>
-              <a:t>code than </a:t>
-            </a:r>
-            <a:r>
-              <a:rPr lang="en-US" baseline="0" dirty="0" smtClean="0"/>
-              <a:t>the mish-mash of street addresses that we saw in the first slide?</a:t>
+              <a:t>Doesn’t it seem easier to work with this code than the mish-mash of street addresses that we saw in the first slide?</a:t>
             </a:r>
           </a:p>
           <a:p>
@@ -879,11 +834,7 @@
           <a:p>
             <a:r>
               <a:rPr lang="en-US" baseline="0" dirty="0" smtClean="0"/>
-              <a:t>So, The </a:t>
-            </a:r>
-            <a:r>
-              <a:rPr lang="en-US" baseline="0" dirty="0" smtClean="0"/>
-              <a:t>last thing to talk about is how we get the information required to create the key.</a:t>
+              <a:t>So, The last thing to talk about is how we get the information required to create the key.</a:t>
             </a:r>
           </a:p>
           <a:p>
@@ -977,11 +928,7 @@
             </a:r>
             <a:r>
               <a:rPr lang="en-US" baseline="0" dirty="0" smtClean="0"/>
-              <a:t> processing data, </a:t>
-            </a:r>
-            <a:r>
-              <a:rPr lang="en-US" baseline="0" dirty="0" smtClean="0"/>
-              <a:t>we use 3</a:t>
+              <a:t> processing data, we use 3</a:t>
             </a:r>
             <a:r>
               <a:rPr lang="en-US" baseline="30000" dirty="0" smtClean="0"/>
@@ -989,15 +936,7 @@
             </a:r>
             <a:r>
               <a:rPr lang="en-US" baseline="0" dirty="0" smtClean="0"/>
-              <a:t> </a:t>
-            </a:r>
-            <a:r>
-              <a:rPr lang="en-US" baseline="0" dirty="0" smtClean="0"/>
-              <a:t>party data hygiene software to standardize the address. </a:t>
-            </a:r>
-            <a:r>
-              <a:rPr lang="en-US" baseline="0" dirty="0" smtClean="0"/>
-              <a:t>In our case, the software is embedded into our systems. Stand-alone software and cloud services are also available.</a:t>
+              <a:t> party data hygiene software to standardize the address. In our case, the software is embedded into our systems. Stand-alone software and cloud services are also available.</a:t>
             </a:r>
           </a:p>
           <a:p>
@@ -1008,7 +947,6 @@
               <a:rPr lang="en-US" baseline="0" dirty="0" smtClean="0"/>
               <a:t>All incoming data is scrubbed and the standardized address and bar code elements are returned.</a:t>
             </a:r>
-            <a:endParaRPr lang="en-US" baseline="0" dirty="0" smtClean="0"/>
           </a:p>
           <a:p>
             <a:endParaRPr lang="en-US" baseline="0" dirty="0" smtClean="0"/>
@@ -1046,64 +984,16 @@
             </a:pPr>
             <a:r>
               <a:rPr lang="en-US" baseline="0" dirty="0" smtClean="0"/>
-              <a:t>The </a:t>
-            </a:r>
+              <a:t>The post office certifies software vendors who create software that can clean up your data and prepare the addresses for mailing. The software is referred to as CASS certified or just CASS for short. You can find a list of CASS software providers from the post office or by searching online.</a:t>
+            </a:r>
+          </a:p>
+          <a:p>
+            <a:endParaRPr lang="en-US" baseline="0" dirty="0" smtClean="0"/>
+          </a:p>
+          <a:p>
             <a:r>
               <a:rPr lang="en-US" baseline="0" dirty="0" smtClean="0"/>
-              <a:t>post office certifies </a:t>
-            </a:r>
-            <a:r>
-              <a:rPr lang="en-US" baseline="0" dirty="0" smtClean="0"/>
-              <a:t>software vendors who create software that can clean up your data and </a:t>
-            </a:r>
-            <a:r>
-              <a:rPr lang="en-US" baseline="0" dirty="0" smtClean="0"/>
-              <a:t>prepare the addresses for mailing. </a:t>
-            </a:r>
-            <a:r>
-              <a:rPr lang="en-US" baseline="0" dirty="0" smtClean="0"/>
-              <a:t>The software is referred to as CASS certified or just CASS for short. You can find a list of CASS software providers from the </a:t>
-            </a:r>
-            <a:r>
-              <a:rPr lang="en-US" baseline="0" dirty="0" smtClean="0"/>
-              <a:t>post office or </a:t>
-            </a:r>
-            <a:r>
-              <a:rPr lang="en-US" baseline="0" dirty="0" smtClean="0"/>
-              <a:t>by searching online.</a:t>
-            </a:r>
-          </a:p>
-          <a:p>
-            <a:endParaRPr lang="en-US" baseline="0" dirty="0" smtClean="0"/>
-          </a:p>
-          <a:p>
-            <a:r>
-              <a:rPr lang="en-US" baseline="0" dirty="0" smtClean="0"/>
-              <a:t>After this step, </a:t>
-            </a:r>
-            <a:r>
-              <a:rPr lang="en-US" baseline="0" dirty="0" smtClean="0"/>
-              <a:t>we then </a:t>
-            </a:r>
-            <a:r>
-              <a:rPr lang="en-US" baseline="0" dirty="0" smtClean="0"/>
-              <a:t>import the standardized data into </a:t>
-            </a:r>
-            <a:r>
-              <a:rPr lang="en-US" baseline="0" dirty="0" smtClean="0"/>
-              <a:t>our </a:t>
-            </a:r>
-            <a:r>
-              <a:rPr lang="en-US" baseline="0" dirty="0" smtClean="0"/>
-              <a:t>database and build </a:t>
-            </a:r>
-            <a:r>
-              <a:rPr lang="en-US" baseline="0" dirty="0" smtClean="0"/>
-              <a:t>the indexes</a:t>
-            </a:r>
-            <a:r>
-              <a:rPr lang="en-US" baseline="0" dirty="0" smtClean="0"/>
-              <a:t>.</a:t>
+              <a:t>After this step, we then import the standardized data into our database and build the indexes.</a:t>
             </a:r>
           </a:p>
           <a:p>
@@ -1245,13 +1135,8 @@
             </a:r>
             <a:r>
               <a:rPr lang="en-US" baseline="0" dirty="0" smtClean="0"/>
-              <a:t> Ruby code that may help you with your next </a:t>
-            </a:r>
-            <a:r>
-              <a:rPr lang="en-US" baseline="0" dirty="0" smtClean="0"/>
-              <a:t>project.</a:t>
-            </a:r>
-            <a:endParaRPr lang="en-US" baseline="0" dirty="0" smtClean="0"/>
+              <a:t> Ruby code that may help you with your next project.</a:t>
+            </a:r>
           </a:p>
         </p:txBody>
       </p:sp>
@@ -1468,49 +1353,28 @@
             </a:r>
             <a:r>
               <a:rPr lang="en-US" baseline="0" dirty="0" smtClean="0"/>
-              <a:t>. (I just said beer. Drink ‘</a:t>
-            </a:r>
-            <a:r>
-              <a:rPr lang="en-US" baseline="0" dirty="0" err="1" smtClean="0"/>
-              <a:t>em</a:t>
-            </a:r>
+              <a:t>.</a:t>
+            </a:r>
+          </a:p>
+          <a:p>
+            <a:endParaRPr lang="en-US" baseline="0" dirty="0" smtClean="0"/>
+          </a:p>
+          <a:p>
             <a:r>
               <a:rPr lang="en-US" baseline="0" dirty="0" smtClean="0"/>
-              <a:t> if you’ve got ‘</a:t>
-            </a:r>
-            <a:r>
-              <a:rPr lang="en-US" baseline="0" dirty="0" err="1" smtClean="0"/>
-              <a:t>em</a:t>
+              <a:t>Yet, he somehow delivers the mail reliably every day. Fortunately, Cliff does work with some computer scientists and they created </a:t>
             </a:r>
             <a:r>
               <a:rPr lang="en-US" baseline="0" dirty="0" smtClean="0"/>
-              <a:t>).</a:t>
-            </a:r>
-            <a:endParaRPr lang="en-US" baseline="0" dirty="0" smtClean="0"/>
-          </a:p>
-          <a:p>
-            <a:endParaRPr lang="en-US" baseline="0" dirty="0" smtClean="0"/>
-          </a:p>
-          <a:p>
+              <a:t>a special </a:t>
+            </a:r>
             <a:r>
               <a:rPr lang="en-US" baseline="0" dirty="0" smtClean="0"/>
-              <a:t>Yet, </a:t>
+              <a:t>tool to help </a:t>
             </a:r>
             <a:r>
               <a:rPr lang="en-US" baseline="0" dirty="0" smtClean="0"/>
-              <a:t>he </a:t>
-            </a:r>
-            <a:r>
-              <a:rPr lang="en-US" baseline="0" dirty="0" smtClean="0"/>
-              <a:t>somehow delivers </a:t>
-            </a:r>
-            <a:r>
-              <a:rPr lang="en-US" baseline="0" dirty="0" smtClean="0"/>
-              <a:t>the mail reliably every day. Fortunately, Cliff does work with some computer scientists and they </a:t>
-            </a:r>
-            <a:r>
-              <a:rPr lang="en-US" baseline="0" dirty="0" smtClean="0"/>
-              <a:t>created a tool to help Cliff…</a:t>
+              <a:t>him…</a:t>
             </a:r>
             <a:endParaRPr lang="en-US" dirty="0"/>
           </a:p>
@@ -1615,11 +1479,7 @@
             </a:pPr>
             <a:r>
               <a:rPr lang="en-US" dirty="0" smtClean="0"/>
-              <a:t>It is this. A postal bar code. A </a:t>
-            </a:r>
-            <a:r>
-              <a:rPr lang="en-US" dirty="0" smtClean="0"/>
-              <a:t>postal</a:t>
+              <a:t>It is this. A postal bar code. A postal</a:t>
             </a:r>
             <a:r>
               <a:rPr lang="en-US" baseline="0" dirty="0" smtClean="0"/>
@@ -1631,11 +1491,7 @@
             </a:r>
             <a:r>
               <a:rPr lang="en-US" baseline="0" dirty="0" smtClean="0"/>
-              <a:t> appears on every piece of mail delivered in the US</a:t>
-            </a:r>
-            <a:r>
-              <a:rPr lang="en-US" baseline="0" dirty="0" smtClean="0"/>
-              <a:t>. The barcode contains information related to the zip code and delivery point.</a:t>
+              <a:t> appears on every piece of mail delivered in the US. The barcode contains information related to the zip code and delivery point.</a:t>
             </a:r>
             <a:r>
               <a:rPr lang="en-US" dirty="0" smtClean="0"/>
@@ -1730,19 +1586,7 @@
             </a:pPr>
             <a:r>
               <a:rPr lang="en-US" dirty="0" smtClean="0"/>
-              <a:t>Mr. ZIP promoted the use of ZIP codes for the </a:t>
-            </a:r>
-            <a:r>
-              <a:rPr lang="en-US" dirty="0" smtClean="0"/>
-              <a:t>post office during </a:t>
-            </a:r>
-            <a:r>
-              <a:rPr lang="en-US" dirty="0" smtClean="0"/>
-              <a:t>the 1960s and 1970s</a:t>
-            </a:r>
-            <a:r>
-              <a:rPr lang="en-US" dirty="0" smtClean="0"/>
-              <a:t>.</a:t>
+              <a:t>Mr. ZIP promoted the use of ZIP codes for the post office during the 1960s and 1970s.</a:t>
             </a:r>
             <a:endParaRPr lang="en-US" baseline="0" dirty="0" smtClean="0"/>
           </a:p>
@@ -1781,19 +1625,11 @@
             </a:r>
             <a:r>
               <a:rPr lang="en-US" baseline="0" dirty="0" smtClean="0"/>
-              <a:t>NET bar code shown here </a:t>
-            </a:r>
-            <a:r>
-              <a:rPr lang="en-US" baseline="0" dirty="0" smtClean="0"/>
-              <a:t>represents </a:t>
+              <a:t>NET bar code shown here represents </a:t>
             </a:r>
             <a:r>
               <a:rPr lang="en-US" dirty="0" smtClean="0"/>
-              <a:t>an </a:t>
-            </a:r>
-            <a:r>
-              <a:rPr lang="en-US" dirty="0" smtClean="0"/>
-              <a:t>11 digit barcode, containing the ZIP Code, ZIP+4 Code, and the delivery point code. Versions</a:t>
+              <a:t>an 11 digit barcode, containing the ZIP Code, ZIP+4 Code, and the delivery point code. Versions</a:t>
             </a:r>
             <a:r>
               <a:rPr lang="en-US" baseline="0" dirty="0" smtClean="0"/>
@@ -1820,23 +1656,7 @@
           <a:p>
             <a:r>
               <a:rPr lang="en-US" baseline="0" dirty="0" smtClean="0"/>
-              <a:t>Let’s </a:t>
-            </a:r>
-            <a:r>
-              <a:rPr lang="en-US" baseline="0" dirty="0" smtClean="0"/>
-              <a:t>see </a:t>
-            </a:r>
-            <a:r>
-              <a:rPr lang="en-US" baseline="0" dirty="0" smtClean="0"/>
-              <a:t>how Zip Codes </a:t>
-            </a:r>
-            <a:r>
-              <a:rPr lang="en-US" baseline="0" dirty="0" smtClean="0"/>
-              <a:t>and bar codes work</a:t>
-            </a:r>
-            <a:r>
-              <a:rPr lang="en-US" baseline="0" dirty="0" smtClean="0"/>
-              <a:t>…</a:t>
+              <a:t>Let’s see how Zip Codes and bar codes work…</a:t>
             </a:r>
           </a:p>
         </p:txBody>
@@ -1936,13 +1756,8 @@
           <a:p>
             <a:r>
               <a:rPr lang="en-US" baseline="0" dirty="0" smtClean="0"/>
-              <a:t>The first 3 digits refer to a Sectional Control Facility (SCF) which will be contained within a zip code zone</a:t>
-            </a:r>
-            <a:r>
-              <a:rPr lang="en-US" baseline="0" dirty="0" smtClean="0"/>
-              <a:t>. So, ‘803’ will refer to a building that services all of the zip codes starting with 803.</a:t>
-            </a:r>
-            <a:endParaRPr lang="en-US" baseline="0" dirty="0" smtClean="0"/>
+              <a:t>The first 3 digits refer to a Sectional Control Facility (SCF) which will be contained within a zip code zone. So, ‘803’ will refer to a building that services all of the zip codes starting with 803.</a:t>
+            </a:r>
           </a:p>
           <a:p>
             <a:endParaRPr lang="en-US" baseline="0" dirty="0" smtClean="0"/>
@@ -2038,23 +1853,7 @@
             </a:r>
             <a:r>
               <a:rPr lang="en-US" baseline="0" dirty="0" smtClean="0"/>
-              <a:t> an individual ZIP code in Boulder. You can </a:t>
-            </a:r>
-            <a:r>
-              <a:rPr lang="en-US" baseline="0" dirty="0" smtClean="0"/>
-              <a:t>even see </a:t>
-            </a:r>
-            <a:r>
-              <a:rPr lang="en-US" baseline="0" dirty="0" smtClean="0"/>
-              <a:t>that CU has been excluded from 80301. CU </a:t>
-            </a:r>
-            <a:r>
-              <a:rPr lang="en-US" baseline="0" dirty="0" smtClean="0"/>
-              <a:t>is large enough to have </a:t>
-            </a:r>
-            <a:r>
-              <a:rPr lang="en-US" baseline="0" dirty="0" smtClean="0"/>
-              <a:t>its own zip codes.</a:t>
+              <a:t> an individual ZIP code in Boulder. You can even see that CU has been excluded from 80301. CU is large enough to have its own zip codes.</a:t>
             </a:r>
             <a:endParaRPr lang="en-US" dirty="0"/>
           </a:p>
@@ -2146,15 +1945,7 @@
             </a:r>
             <a:r>
               <a:rPr lang="en-US" dirty="0" smtClean="0"/>
-              <a:t> </a:t>
-            </a:r>
-            <a:r>
-              <a:rPr lang="en-US" dirty="0" smtClean="0"/>
-              <a:t>were assigned in the </a:t>
-            </a:r>
-            <a:r>
-              <a:rPr lang="en-US" dirty="0" smtClean="0"/>
-              <a:t>1980s</a:t>
+              <a:t> were assigned in the 1980s</a:t>
             </a:r>
             <a:r>
               <a:rPr lang="en-US" baseline="0" dirty="0" smtClean="0"/>
@@ -2166,19 +1957,7 @@
             </a:r>
             <a:r>
               <a:rPr lang="en-US" baseline="0" dirty="0" smtClean="0"/>
-              <a:t> </a:t>
-            </a:r>
-            <a:r>
-              <a:rPr lang="en-US" baseline="0" dirty="0" smtClean="0"/>
-              <a:t>a ZIP+4 code to small sections within </a:t>
-            </a:r>
-            <a:r>
-              <a:rPr lang="en-US" baseline="0" dirty="0" smtClean="0"/>
-              <a:t>a ZIP </a:t>
-            </a:r>
-            <a:r>
-              <a:rPr lang="en-US" baseline="0" dirty="0" smtClean="0"/>
-              <a:t>code. Typically, a +4 code is assigned to each side of the street on a particular block. So, in this photo, the homes on the left would share a 9-digit zip and the homes on the right would share a different 9-digit zip. There can be thousands of +4 codes within a single zip code.</a:t>
+              <a:t> a ZIP+4 code to small sections within a ZIP code. Typically, a +4 code is assigned to each side of the street on a particular block. So, in this photo, the homes on the left would share a 9-digit zip and the homes on the right would share a different 9-digit zip. There can be thousands of +4 codes within a single zip code.</a:t>
             </a:r>
             <a:endParaRPr lang="en-US" dirty="0"/>
           </a:p>
@@ -2278,23 +2057,7 @@
             </a:r>
             <a:r>
               <a:rPr lang="en-US" baseline="0" dirty="0" smtClean="0"/>
-              <a:t> buildings, the </a:t>
-            </a:r>
-            <a:r>
-              <a:rPr lang="en-US" baseline="0" dirty="0" smtClean="0"/>
-              <a:t>post office may </a:t>
-            </a:r>
-            <a:r>
-              <a:rPr lang="en-US" baseline="0" dirty="0" smtClean="0"/>
-              <a:t>assign different +4 codes for each floor. So, the residents on a given floor </a:t>
-            </a:r>
-            <a:r>
-              <a:rPr lang="en-US" baseline="0" dirty="0" smtClean="0"/>
-              <a:t>may share </a:t>
-            </a:r>
-            <a:r>
-              <a:rPr lang="en-US" baseline="0" dirty="0" smtClean="0"/>
-              <a:t>the same 9-digit zip code.</a:t>
+              <a:t> buildings, the post office may assign different +4 codes for each floor. So, the residents on a given floor may share the same 9-digit zip code.</a:t>
             </a:r>
             <a:endParaRPr lang="en-US" dirty="0"/>
           </a:p>
@@ -2394,15 +2157,7 @@
             </a:r>
             <a:r>
               <a:rPr lang="en-US" baseline="0" dirty="0" smtClean="0"/>
-              <a:t> the bar code, the </a:t>
-            </a:r>
-            <a:r>
-              <a:rPr lang="en-US" baseline="0" dirty="0" smtClean="0"/>
-              <a:t>post office will </a:t>
-            </a:r>
-            <a:r>
-              <a:rPr lang="en-US" baseline="0" dirty="0" smtClean="0"/>
-              <a:t>add the last two digits of the house number to the Zip+4 code for a total of eleven digits. If this is 123 Main Street, the delivery point code will be ‘23’.</a:t>
+              <a:t> the bar code, the post office will add the last two digits of the house number to the Zip+4 code for a total of eleven digits. If this is 123 Main Street, the delivery point code will be ‘23’.</a:t>
             </a:r>
           </a:p>
           <a:p>
@@ -2419,19 +2174,15 @@
             </a:r>
             <a:r>
               <a:rPr lang="en-US" baseline="0" dirty="0" smtClean="0"/>
-              <a:t> building, the two digit delivery point code will </a:t>
+              <a:t> building, the two digit delivery point code will usually be the same for all delivery points in the building and </a:t>
             </a:r>
             <a:r>
               <a:rPr lang="en-US" baseline="0" dirty="0" smtClean="0"/>
-              <a:t>usually be </a:t>
+              <a:t>then the unit </a:t>
             </a:r>
             <a:r>
               <a:rPr lang="en-US" baseline="0" dirty="0" smtClean="0"/>
-              <a:t>the same for all delivery points in the building and unit number is required for final delivery</a:t>
-            </a:r>
-            <a:r>
-              <a:rPr lang="en-US" baseline="0" dirty="0" smtClean="0"/>
-              <a:t>.</a:t>
+              <a:t>number is required for final delivery.</a:t>
             </a:r>
           </a:p>
           <a:p>
@@ -2656,7 +2407,7 @@
           <a:p>
             <a:fld id="{E0B738E2-DEAE-4F46-B019-00598B3CC598}" type="datetimeFigureOut">
               <a:rPr lang="en-US" smtClean="0"/>
-              <a:t>1/6/14</a:t>
+              <a:t>1/7/14</a:t>
             </a:fld>
             <a:endParaRPr lang="en-US"/>
           </a:p>
@@ -2826,7 +2577,7 @@
           <a:p>
             <a:fld id="{E0B738E2-DEAE-4F46-B019-00598B3CC598}" type="datetimeFigureOut">
               <a:rPr lang="en-US" smtClean="0"/>
-              <a:t>1/6/14</a:t>
+              <a:t>1/7/14</a:t>
             </a:fld>
             <a:endParaRPr lang="en-US"/>
           </a:p>
@@ -3006,7 +2757,7 @@
           <a:p>
             <a:fld id="{E0B738E2-DEAE-4F46-B019-00598B3CC598}" type="datetimeFigureOut">
               <a:rPr lang="en-US" smtClean="0"/>
-              <a:t>1/6/14</a:t>
+              <a:t>1/7/14</a:t>
             </a:fld>
             <a:endParaRPr lang="en-US"/>
           </a:p>
@@ -3176,7 +2927,7 @@
           <a:p>
             <a:fld id="{E0B738E2-DEAE-4F46-B019-00598B3CC598}" type="datetimeFigureOut">
               <a:rPr lang="en-US" smtClean="0"/>
-              <a:t>1/6/14</a:t>
+              <a:t>1/7/14</a:t>
             </a:fld>
             <a:endParaRPr lang="en-US"/>
           </a:p>
@@ -3422,7 +3173,7 @@
           <a:p>
             <a:fld id="{E0B738E2-DEAE-4F46-B019-00598B3CC598}" type="datetimeFigureOut">
               <a:rPr lang="en-US" smtClean="0"/>
-              <a:t>1/6/14</a:t>
+              <a:t>1/7/14</a:t>
             </a:fld>
             <a:endParaRPr lang="en-US"/>
           </a:p>
@@ -3710,7 +3461,7 @@
           <a:p>
             <a:fld id="{E0B738E2-DEAE-4F46-B019-00598B3CC598}" type="datetimeFigureOut">
               <a:rPr lang="en-US" smtClean="0"/>
-              <a:t>1/6/14</a:t>
+              <a:t>1/7/14</a:t>
             </a:fld>
             <a:endParaRPr lang="en-US"/>
           </a:p>
@@ -4132,7 +3883,7 @@
           <a:p>
             <a:fld id="{E0B738E2-DEAE-4F46-B019-00598B3CC598}" type="datetimeFigureOut">
               <a:rPr lang="en-US" smtClean="0"/>
-              <a:t>1/6/14</a:t>
+              <a:t>1/7/14</a:t>
             </a:fld>
             <a:endParaRPr lang="en-US"/>
           </a:p>
@@ -4250,7 +4001,7 @@
           <a:p>
             <a:fld id="{E0B738E2-DEAE-4F46-B019-00598B3CC598}" type="datetimeFigureOut">
               <a:rPr lang="en-US" smtClean="0"/>
-              <a:t>1/6/14</a:t>
+              <a:t>1/7/14</a:t>
             </a:fld>
             <a:endParaRPr lang="en-US"/>
           </a:p>
@@ -4345,7 +4096,7 @@
           <a:p>
             <a:fld id="{E0B738E2-DEAE-4F46-B019-00598B3CC598}" type="datetimeFigureOut">
               <a:rPr lang="en-US" smtClean="0"/>
-              <a:t>1/6/14</a:t>
+              <a:t>1/7/14</a:t>
             </a:fld>
             <a:endParaRPr lang="en-US"/>
           </a:p>
@@ -4622,7 +4373,7 @@
           <a:p>
             <a:fld id="{E0B738E2-DEAE-4F46-B019-00598B3CC598}" type="datetimeFigureOut">
               <a:rPr lang="en-US" smtClean="0"/>
-              <a:t>1/6/14</a:t>
+              <a:t>1/7/14</a:t>
             </a:fld>
             <a:endParaRPr lang="en-US"/>
           </a:p>
@@ -4875,7 +4626,7 @@
           <a:p>
             <a:fld id="{E0B738E2-DEAE-4F46-B019-00598B3CC598}" type="datetimeFigureOut">
               <a:rPr lang="en-US" smtClean="0"/>
-              <a:t>1/6/14</a:t>
+              <a:t>1/7/14</a:t>
             </a:fld>
             <a:endParaRPr lang="en-US"/>
           </a:p>
@@ -5088,7 +4839,7 @@
           <a:p>
             <a:fld id="{E0B738E2-DEAE-4F46-B019-00598B3CC598}" type="datetimeFigureOut">
               <a:rPr lang="en-US" smtClean="0"/>
-              <a:t>1/6/14</a:t>
+              <a:t>1/7/14</a:t>
             </a:fld>
             <a:endParaRPr lang="en-US"/>
           </a:p>
@@ -5559,13 +5310,7 @@
               <a:rPr lang="en-US" dirty="0" smtClean="0">
                 <a:hlinkClick r:id="rId3"/>
               </a:rPr>
-              <a:t>http://www.linkedin.com/in/</a:t>
-            </a:r>
-            <a:r>
-              <a:rPr lang="en-US" dirty="0" smtClean="0">
-                <a:hlinkClick r:id="rId3"/>
-              </a:rPr>
-              <a:t>brianklong</a:t>
+              <a:t>http://www.linkedin.com/in/brianklong</a:t>
             </a:r>
             <a:endParaRPr lang="en-US" dirty="0" smtClean="0"/>
           </a:p>
@@ -5574,7 +5319,6 @@
               <a:rPr lang="en-US" dirty="0" smtClean="0"/>
               <a:t>#BOCC</a:t>
             </a:r>
-            <a:endParaRPr lang="en-US" dirty="0" smtClean="0"/>
           </a:p>
         </p:txBody>
       </p:sp>
@@ -5965,7 +5709,7 @@
         <p:spPr>
           <a:xfrm>
             <a:off x="647255" y="1585190"/>
-            <a:ext cx="7634422" cy="2831544"/>
+            <a:ext cx="7634422" cy="2339102"/>
           </a:xfrm>
           <a:prstGeom prst="rect">
             <a:avLst/>
@@ -5988,10 +5732,12 @@
             </a:r>
             <a:r>
               <a:rPr lang="en-US" sz="3200" dirty="0" smtClean="0"/>
-              <a:t> Party Software to cleanup addresses:</a:t>
-            </a:r>
-          </a:p>
-          <a:p>
+              <a:t> Party Software to cleanup addresses</a:t>
+            </a:r>
+            <a:r>
+              <a:rPr lang="en-US" sz="3200" dirty="0" smtClean="0"/>
+              <a:t>:</a:t>
+            </a:r>
             <a:endParaRPr lang="en-US" sz="3200" dirty="0" smtClean="0"/>
           </a:p>
           <a:p>
@@ -6221,54 +5967,71 @@
         <p:spPr/>
         <p:txBody>
           <a:bodyPr>
-            <a:normAutofit lnSpcReduction="10000"/>
+            <a:normAutofit fontScale="92500" lnSpcReduction="10000"/>
           </a:bodyPr>
           <a:lstStyle/>
           <a:p>
             <a:r>
               <a:rPr lang="en-US" dirty="0" smtClean="0"/>
-              <a:t>Street addresses are messy data.</a:t>
-            </a:r>
-          </a:p>
-          <a:p>
+              <a:t>Street addresses are messy data</a:t>
+            </a:r>
+            <a:r>
+              <a:rPr lang="en-US" dirty="0" smtClean="0"/>
+              <a:t>.</a:t>
+            </a:r>
+          </a:p>
+          <a:p>
+            <a:r>
+              <a:rPr lang="en-US" dirty="0" smtClean="0"/>
+              <a:t>The post office provides a unique key that you can use for analysis.</a:t>
+            </a:r>
+            <a:endParaRPr lang="en-US" dirty="0" smtClean="0"/>
+          </a:p>
+          <a:p>
+            <a:r>
+              <a:rPr lang="en-US" dirty="0" smtClean="0"/>
+              <a:t>Add a data hygiene step using </a:t>
+            </a:r>
             <a:r>
               <a:rPr lang="en-US" dirty="0"/>
-              <a:t>Use third party CASS software for data hygiene.</a:t>
-            </a:r>
+              <a:t>third party CASS </a:t>
+            </a:r>
+            <a:r>
+              <a:rPr lang="en-US" dirty="0" smtClean="0"/>
+              <a:t>software.</a:t>
+            </a:r>
+            <a:endParaRPr lang="en-US" dirty="0"/>
           </a:p>
           <a:p>
             <a:r>
               <a:rPr lang="en-US" dirty="0"/>
-              <a:t>Include standardized data &amp; bar code elements in your dataset.</a:t>
-            </a:r>
-          </a:p>
-          <a:p>
-            <a:r>
-              <a:rPr lang="en-US" smtClean="0"/>
-              <a:t>Create </a:t>
+              <a:t>Include </a:t>
             </a:r>
             <a:r>
               <a:rPr lang="en-US" dirty="0" smtClean="0"/>
-              <a:t>an indexed key using the bar code data.</a:t>
+              <a:t>the standardized </a:t>
+            </a:r>
+            <a:r>
+              <a:rPr lang="en-US" dirty="0"/>
+              <a:t>data &amp; bar code elements in your dataset.</a:t>
             </a:r>
           </a:p>
           <a:p>
             <a:r>
               <a:rPr lang="en-US" dirty="0" smtClean="0"/>
-              <a:t>Presentation &amp; notes at </a:t>
-            </a:r>
-            <a:r>
-              <a:rPr lang="en-US" dirty="0" smtClean="0">
-                <a:hlinkClick r:id="rId3"/>
-              </a:rPr>
-              <a:t>https://github.com/brianlong/</a:t>
-            </a:r>
-            <a:r>
-              <a:rPr lang="en-US" dirty="0" smtClean="0">
-                <a:hlinkClick r:id="rId3"/>
-              </a:rPr>
-              <a:t>street_address</a:t>
-            </a:r>
+              <a:t>Create an indexed key using the bar code data</a:t>
+            </a:r>
+            <a:r>
+              <a:rPr lang="en-US" dirty="0" smtClean="0"/>
+              <a:t>.</a:t>
+            </a:r>
+          </a:p>
+          <a:p>
+            <a:r>
+              <a:rPr lang="en-US" dirty="0" smtClean="0"/>
+              <a:t>Search, sort, and group with ease.</a:t>
+            </a:r>
+            <a:endParaRPr lang="en-US" dirty="0" smtClean="0"/>
           </a:p>
           <a:p>
             <a:endParaRPr lang="en-US" dirty="0" smtClean="0"/>
@@ -6373,7 +6136,7 @@
         </p:nvSpPr>
         <p:spPr>
           <a:xfrm>
-            <a:off x="1775885" y="5756831"/>
+            <a:off x="784692" y="5756831"/>
             <a:ext cx="5375465" cy="369332"/>
           </a:xfrm>
           <a:prstGeom prst="rect">
@@ -6395,6 +6158,43 @@
               <a:rPr lang="en-US" dirty="0"/>
               <a:t>will offer free CASS service for open data projects.</a:t>
             </a:r>
+          </a:p>
+        </p:txBody>
+      </p:sp>
+      <p:sp>
+        <p:nvSpPr>
+          <p:cNvPr id="4" name="TextBox 3"/>
+          <p:cNvSpPr txBox="1"/>
+          <p:nvPr/>
+        </p:nvSpPr>
+        <p:spPr>
+          <a:xfrm>
+            <a:off x="784692" y="4997022"/>
+            <a:ext cx="6717404" cy="646331"/>
+          </a:xfrm>
+          <a:prstGeom prst="rect">
+            <a:avLst/>
+          </a:prstGeom>
+          <a:noFill/>
+        </p:spPr>
+        <p:txBody>
+          <a:bodyPr wrap="none" rtlCol="0">
+            <a:spAutoFit/>
+          </a:bodyPr>
+          <a:lstStyle/>
+          <a:p>
+            <a:r>
+              <a:rPr lang="en-US" dirty="0"/>
+              <a:t>Presentation &amp; notes at </a:t>
+            </a:r>
+            <a:r>
+              <a:rPr lang="en-US" dirty="0">
+                <a:hlinkClick r:id="rId2"/>
+              </a:rPr>
+              <a:t>https://github.com/brianlong/street_address</a:t>
+            </a:r>
+          </a:p>
+          <a:p>
             <a:endParaRPr lang="en-US" dirty="0"/>
           </a:p>
         </p:txBody>
@@ -6477,15 +6277,7 @@
           <a:p>
             <a:r>
               <a:rPr lang="en-US" sz="3000" dirty="0" smtClean="0"/>
-              <a:t>123 </a:t>
-            </a:r>
-            <a:r>
-              <a:rPr lang="en-US" sz="3000" dirty="0" smtClean="0"/>
-              <a:t>S Main Street, </a:t>
-            </a:r>
-            <a:r>
-              <a:rPr lang="en-US" sz="3000" dirty="0" smtClean="0"/>
-              <a:t>Schenectady, NY</a:t>
+              <a:t>123 S Main Street, Schenectady, NY</a:t>
             </a:r>
           </a:p>
           <a:p>
@@ -6497,15 +6289,7 @@
           <a:p>
             <a:r>
               <a:rPr lang="en-US" sz="3000" dirty="0" smtClean="0"/>
-              <a:t>123 </a:t>
-            </a:r>
-            <a:r>
-              <a:rPr lang="en-US" sz="3000" dirty="0" smtClean="0"/>
-              <a:t>South Main Street, </a:t>
-            </a:r>
-            <a:r>
-              <a:rPr lang="en-US" sz="3000" dirty="0" smtClean="0"/>
-              <a:t>Schenectady, NY 12345</a:t>
+              <a:t>123 South Main Street, Schenectady, NY 12345</a:t>
             </a:r>
           </a:p>
           <a:p>
@@ -6517,11 +6301,7 @@
           <a:p>
             <a:r>
               <a:rPr lang="en-US" sz="3000" dirty="0" smtClean="0"/>
-              <a:t>123 </a:t>
-            </a:r>
-            <a:r>
-              <a:rPr lang="en-US" sz="3000" dirty="0" smtClean="0"/>
-              <a:t>S Main St, </a:t>
+              <a:t>123 S Main St, </a:t>
             </a:r>
             <a:r>
               <a:rPr lang="en-US" sz="3000" dirty="0" err="1" smtClean="0"/>
